--- a/Docs/Presentation1.pptx
+++ b/Docs/Presentation1.pptx
@@ -2,10 +2,12 @@
 <file path=ppt/presentation.xml><?xml version="1.0" encoding="utf-8"?>
 <p:presentation xmlns:a="http://schemas.openxmlformats.org/drawingml/2006/main" xmlns:r="http://schemas.openxmlformats.org/officeDocument/2006/relationships" xmlns:p="http://schemas.openxmlformats.org/presentationml/2006/main" saveSubsetFonts="1">
   <p:sldMasterIdLst>
-    <p:sldMasterId id="2147483648" r:id="rId9"/>
+    <p:sldMasterId id="2147483648" r:id="rId17"/>
   </p:sldMasterIdLst>
   <p:sldIdLst>
-    <p:sldId id="256" r:id="rId10"/>
+    <p:sldId id="256" r:id="rId18"/>
+    <p:sldId id="257" r:id="rId19"/>
+    <p:sldId id="258" r:id="rId20"/>
   </p:sldIdLst>
   <p:sldSz cx="12192000" cy="6858000"/>
   <p:notesSz cx="6858000" cy="9144000"/>
@@ -3356,7 +3358,7 @@
         </p:nvGrpSpPr>
         <p:grpSpPr>
           <a:xfrm>
-            <a:off x="1252330" y="304800"/>
+            <a:off x="1282147" y="443948"/>
             <a:ext cx="9294743" cy="5693800"/>
             <a:chOff x="1252330" y="304800"/>
             <a:chExt cx="9294743" cy="5693800"/>
@@ -5124,11 +5126,2878 @@
             </a:p>
           </p:txBody>
         </p:sp>
+        <p:cxnSp>
+          <p:nvCxnSpPr>
+            <p:cNvPr id="88" name="Straight Arrow Connector 87">
+              <a:extLst>
+                <a:ext uri="{FF2B5EF4-FFF2-40B4-BE49-F238E27FC236}">
+                  <a16:creationId xmlns:a16="http://schemas.microsoft.com/office/drawing/2014/main" id="{7BEC5952-4CEE-4F6B-B64D-AC1CA865E569}"/>
+                </a:ext>
+              </a:extLst>
+            </p:cNvPr>
+            <p:cNvCxnSpPr>
+              <a:cxnSpLocks/>
+            </p:cNvCxnSpPr>
+            <p:nvPr/>
+          </p:nvCxnSpPr>
+          <p:spPr>
+            <a:xfrm flipH="1" flipV="1">
+              <a:off x="2215278" y="1435256"/>
+              <a:ext cx="1454287" cy="10507"/>
+            </a:xfrm>
+            <a:prstGeom prst="straightConnector1">
+              <a:avLst/>
+            </a:prstGeom>
+            <a:ln w="28575">
+              <a:solidFill>
+                <a:schemeClr val="accent2">
+                  <a:lumMod val="60000"/>
+                  <a:lumOff val="40000"/>
+                </a:schemeClr>
+              </a:solidFill>
+              <a:tailEnd type="triangle"/>
+            </a:ln>
+          </p:spPr>
+          <p:style>
+            <a:lnRef idx="1">
+              <a:schemeClr val="accent1"/>
+            </a:lnRef>
+            <a:fillRef idx="0">
+              <a:schemeClr val="accent1"/>
+            </a:fillRef>
+            <a:effectRef idx="0">
+              <a:schemeClr val="accent1"/>
+            </a:effectRef>
+            <a:fontRef idx="minor">
+              <a:schemeClr val="tx1"/>
+            </a:fontRef>
+          </p:style>
+        </p:cxnSp>
+        <p:cxnSp>
+          <p:nvCxnSpPr>
+            <p:cNvPr id="91" name="Straight Arrow Connector 90">
+              <a:extLst>
+                <a:ext uri="{FF2B5EF4-FFF2-40B4-BE49-F238E27FC236}">
+                  <a16:creationId xmlns:a16="http://schemas.microsoft.com/office/drawing/2014/main" id="{E5060AC6-1161-484A-9588-DD3ED6DDBA72}"/>
+                </a:ext>
+              </a:extLst>
+            </p:cNvPr>
+            <p:cNvCxnSpPr>
+              <a:cxnSpLocks/>
+            </p:cNvCxnSpPr>
+            <p:nvPr/>
+          </p:nvCxnSpPr>
+          <p:spPr>
+            <a:xfrm flipH="1" flipV="1">
+              <a:off x="4060604" y="1435257"/>
+              <a:ext cx="931159" cy="6726"/>
+            </a:xfrm>
+            <a:prstGeom prst="straightConnector1">
+              <a:avLst/>
+            </a:prstGeom>
+            <a:ln w="28575">
+              <a:solidFill>
+                <a:schemeClr val="accent2">
+                  <a:lumMod val="60000"/>
+                  <a:lumOff val="40000"/>
+                </a:schemeClr>
+              </a:solidFill>
+              <a:tailEnd type="triangle"/>
+            </a:ln>
+          </p:spPr>
+          <p:style>
+            <a:lnRef idx="1">
+              <a:schemeClr val="accent1"/>
+            </a:lnRef>
+            <a:fillRef idx="0">
+              <a:schemeClr val="accent1"/>
+            </a:fillRef>
+            <a:effectRef idx="0">
+              <a:schemeClr val="accent1"/>
+            </a:effectRef>
+            <a:fontRef idx="minor">
+              <a:schemeClr val="tx1"/>
+            </a:fontRef>
+          </p:style>
+        </p:cxnSp>
+        <p:cxnSp>
+          <p:nvCxnSpPr>
+            <p:cNvPr id="93" name="Straight Arrow Connector 92">
+              <a:extLst>
+                <a:ext uri="{FF2B5EF4-FFF2-40B4-BE49-F238E27FC236}">
+                  <a16:creationId xmlns:a16="http://schemas.microsoft.com/office/drawing/2014/main" id="{7176BC9E-559F-4E33-A3A6-D2FBAC74D6B6}"/>
+                </a:ext>
+              </a:extLst>
+            </p:cNvPr>
+            <p:cNvCxnSpPr>
+              <a:cxnSpLocks/>
+            </p:cNvCxnSpPr>
+            <p:nvPr/>
+          </p:nvCxnSpPr>
+          <p:spPr>
+            <a:xfrm flipH="1" flipV="1">
+              <a:off x="2215278" y="4750252"/>
+              <a:ext cx="1454287" cy="10507"/>
+            </a:xfrm>
+            <a:prstGeom prst="straightConnector1">
+              <a:avLst/>
+            </a:prstGeom>
+            <a:ln w="28575">
+              <a:solidFill>
+                <a:schemeClr val="accent2">
+                  <a:lumMod val="60000"/>
+                  <a:lumOff val="40000"/>
+                </a:schemeClr>
+              </a:solidFill>
+              <a:tailEnd type="triangle"/>
+            </a:ln>
+          </p:spPr>
+          <p:style>
+            <a:lnRef idx="1">
+              <a:schemeClr val="accent1"/>
+            </a:lnRef>
+            <a:fillRef idx="0">
+              <a:schemeClr val="accent1"/>
+            </a:fillRef>
+            <a:effectRef idx="0">
+              <a:schemeClr val="accent1"/>
+            </a:effectRef>
+            <a:fontRef idx="minor">
+              <a:schemeClr val="tx1"/>
+            </a:fontRef>
+          </p:style>
+        </p:cxnSp>
+        <p:cxnSp>
+          <p:nvCxnSpPr>
+            <p:cNvPr id="94" name="Straight Arrow Connector 93">
+              <a:extLst>
+                <a:ext uri="{FF2B5EF4-FFF2-40B4-BE49-F238E27FC236}">
+                  <a16:creationId xmlns:a16="http://schemas.microsoft.com/office/drawing/2014/main" id="{D227A796-EF4C-4CAB-B09B-319B5C013E46}"/>
+                </a:ext>
+              </a:extLst>
+            </p:cNvPr>
+            <p:cNvCxnSpPr>
+              <a:cxnSpLocks/>
+            </p:cNvCxnSpPr>
+            <p:nvPr/>
+          </p:nvCxnSpPr>
+          <p:spPr>
+            <a:xfrm flipH="1" flipV="1">
+              <a:off x="4060604" y="4750253"/>
+              <a:ext cx="931159" cy="6726"/>
+            </a:xfrm>
+            <a:prstGeom prst="straightConnector1">
+              <a:avLst/>
+            </a:prstGeom>
+            <a:ln w="28575">
+              <a:solidFill>
+                <a:schemeClr val="accent2">
+                  <a:lumMod val="60000"/>
+                  <a:lumOff val="40000"/>
+                </a:schemeClr>
+              </a:solidFill>
+              <a:tailEnd type="triangle"/>
+            </a:ln>
+          </p:spPr>
+          <p:style>
+            <a:lnRef idx="1">
+              <a:schemeClr val="accent1"/>
+            </a:lnRef>
+            <a:fillRef idx="0">
+              <a:schemeClr val="accent1"/>
+            </a:fillRef>
+            <a:effectRef idx="0">
+              <a:schemeClr val="accent1"/>
+            </a:effectRef>
+            <a:fontRef idx="minor">
+              <a:schemeClr val="tx1"/>
+            </a:fontRef>
+          </p:style>
+        </p:cxnSp>
       </p:grpSp>
     </p:spTree>
     <p:extLst>
       <p:ext uri="{BB962C8B-B14F-4D97-AF65-F5344CB8AC3E}">
         <p14:creationId xmlns:p14="http://schemas.microsoft.com/office/powerpoint/2010/main" val="3329594943"/>
+      </p:ext>
+    </p:extLst>
+  </p:cSld>
+  <p:clrMapOvr>
+    <a:masterClrMapping/>
+  </p:clrMapOvr>
+</p:sld>
+</file>
+
+<file path=ppt/slides/slide2.xml><?xml version="1.0" encoding="utf-8"?>
+<p:sld xmlns:a="http://schemas.openxmlformats.org/drawingml/2006/main" xmlns:r="http://schemas.openxmlformats.org/officeDocument/2006/relationships" xmlns:p="http://schemas.openxmlformats.org/presentationml/2006/main">
+  <p:cSld>
+    <p:bg>
+      <p:bgPr>
+        <a:pattFill prst="pct20">
+          <a:fgClr>
+            <a:schemeClr val="accent1"/>
+          </a:fgClr>
+          <a:bgClr>
+            <a:schemeClr val="bg1"/>
+          </a:bgClr>
+        </a:pattFill>
+        <a:effectLst/>
+      </p:bgPr>
+    </p:bg>
+    <p:spTree>
+      <p:nvGrpSpPr>
+        <p:cNvPr id="1" name=""/>
+        <p:cNvGrpSpPr/>
+        <p:nvPr/>
+      </p:nvGrpSpPr>
+      <p:grpSpPr>
+        <a:xfrm>
+          <a:off x="0" y="0"/>
+          <a:ext cx="0" cy="0"/>
+          <a:chOff x="0" y="0"/>
+          <a:chExt cx="0" cy="0"/>
+        </a:xfrm>
+      </p:grpSpPr>
+      <p:grpSp>
+        <p:nvGrpSpPr>
+          <p:cNvPr id="3" name="Group 2">
+            <a:extLst>
+              <a:ext uri="{FF2B5EF4-FFF2-40B4-BE49-F238E27FC236}">
+                <a16:creationId xmlns:a16="http://schemas.microsoft.com/office/drawing/2014/main" id="{A5A55C6F-6BD1-40F3-A48F-274CC2BAAC96}"/>
+              </a:ext>
+            </a:extLst>
+          </p:cNvPr>
+          <p:cNvGrpSpPr/>
+          <p:nvPr/>
+        </p:nvGrpSpPr>
+        <p:grpSpPr>
+          <a:xfrm>
+            <a:off x="1701247" y="582100"/>
+            <a:ext cx="9294743" cy="5693800"/>
+            <a:chOff x="1282147" y="443948"/>
+            <a:chExt cx="9294743" cy="5693800"/>
+          </a:xfrm>
+        </p:grpSpPr>
+        <p:sp>
+          <p:nvSpPr>
+            <p:cNvPr id="10" name="Cloud 9">
+              <a:extLst>
+                <a:ext uri="{FF2B5EF4-FFF2-40B4-BE49-F238E27FC236}">
+                  <a16:creationId xmlns:a16="http://schemas.microsoft.com/office/drawing/2014/main" id="{4BD6A03E-551E-4FB6-9FE7-07F9B35D2FD5}"/>
+                </a:ext>
+              </a:extLst>
+            </p:cNvPr>
+            <p:cNvSpPr/>
+            <p:nvPr/>
+          </p:nvSpPr>
+          <p:spPr>
+            <a:xfrm>
+              <a:off x="7795590" y="1244048"/>
+              <a:ext cx="2781300" cy="2628900"/>
+            </a:xfrm>
+            <a:prstGeom prst="cloud">
+              <a:avLst/>
+            </a:prstGeom>
+            <a:solidFill>
+              <a:schemeClr val="bg1">
+                <a:lumMod val="95000"/>
+              </a:schemeClr>
+            </a:solidFill>
+            <a:ln/>
+          </p:spPr>
+          <p:style>
+            <a:lnRef idx="1">
+              <a:schemeClr val="accent5"/>
+            </a:lnRef>
+            <a:fillRef idx="2">
+              <a:schemeClr val="accent5"/>
+            </a:fillRef>
+            <a:effectRef idx="1">
+              <a:schemeClr val="accent5"/>
+            </a:effectRef>
+            <a:fontRef idx="minor">
+              <a:schemeClr val="dk1"/>
+            </a:fontRef>
+          </p:style>
+          <p:txBody>
+            <a:bodyPr rtlCol="0" anchor="ctr"/>
+            <a:lstStyle/>
+            <a:p>
+              <a:pPr algn="ctr"/>
+              <a:endParaRPr lang="th-TH"/>
+            </a:p>
+          </p:txBody>
+        </p:sp>
+        <p:sp>
+          <p:nvSpPr>
+            <p:cNvPr id="11" name="Cylinder 10">
+              <a:extLst>
+                <a:ext uri="{FF2B5EF4-FFF2-40B4-BE49-F238E27FC236}">
+                  <a16:creationId xmlns:a16="http://schemas.microsoft.com/office/drawing/2014/main" id="{D062129A-56A4-4F0B-A1AC-C6A0D781178F}"/>
+                </a:ext>
+              </a:extLst>
+            </p:cNvPr>
+            <p:cNvSpPr/>
+            <p:nvPr/>
+          </p:nvSpPr>
+          <p:spPr>
+            <a:xfrm>
+              <a:off x="8861684" y="2385143"/>
+              <a:ext cx="266700" cy="444500"/>
+            </a:xfrm>
+            <a:prstGeom prst="can">
+              <a:avLst/>
+            </a:prstGeom>
+          </p:spPr>
+          <p:style>
+            <a:lnRef idx="2">
+              <a:schemeClr val="accent1">
+                <a:shade val="50000"/>
+              </a:schemeClr>
+            </a:lnRef>
+            <a:fillRef idx="1">
+              <a:schemeClr val="accent1"/>
+            </a:fillRef>
+            <a:effectRef idx="0">
+              <a:schemeClr val="accent1"/>
+            </a:effectRef>
+            <a:fontRef idx="minor">
+              <a:schemeClr val="lt1"/>
+            </a:fontRef>
+          </p:style>
+          <p:txBody>
+            <a:bodyPr rtlCol="0" anchor="ctr"/>
+            <a:lstStyle/>
+            <a:p>
+              <a:pPr algn="ctr"/>
+              <a:endParaRPr lang="th-TH"/>
+            </a:p>
+          </p:txBody>
+        </p:sp>
+        <p:sp>
+          <p:nvSpPr>
+            <p:cNvPr id="18" name="TextBox 17">
+              <a:extLst>
+                <a:ext uri="{FF2B5EF4-FFF2-40B4-BE49-F238E27FC236}">
+                  <a16:creationId xmlns:a16="http://schemas.microsoft.com/office/drawing/2014/main" id="{71E740F5-EFDE-422F-908D-5DFB1AC0EF5A}"/>
+                </a:ext>
+              </a:extLst>
+            </p:cNvPr>
+            <p:cNvSpPr txBox="1"/>
+            <p:nvPr/>
+          </p:nvSpPr>
+          <p:spPr>
+            <a:xfrm>
+              <a:off x="8582002" y="2034433"/>
+              <a:ext cx="1139190" cy="307777"/>
+            </a:xfrm>
+            <a:prstGeom prst="rect">
+              <a:avLst/>
+            </a:prstGeom>
+            <a:noFill/>
+          </p:spPr>
+          <p:txBody>
+            <a:bodyPr wrap="square" rtlCol="0">
+              <a:spAutoFit/>
+            </a:bodyPr>
+            <a:lstStyle/>
+            <a:p>
+              <a:r>
+                <a:rPr lang="en-US" sz="1400" dirty="0"/>
+                <a:t>Git server</a:t>
+              </a:r>
+              <a:endParaRPr lang="th-TH" sz="1400" dirty="0"/>
+            </a:p>
+          </p:txBody>
+        </p:sp>
+        <p:sp>
+          <p:nvSpPr>
+            <p:cNvPr id="19" name="TextBox 18">
+              <a:extLst>
+                <a:ext uri="{FF2B5EF4-FFF2-40B4-BE49-F238E27FC236}">
+                  <a16:creationId xmlns:a16="http://schemas.microsoft.com/office/drawing/2014/main" id="{A8A4A6F7-7037-40CB-9A9F-D178B6F1ADA8}"/>
+                </a:ext>
+              </a:extLst>
+            </p:cNvPr>
+            <p:cNvSpPr txBox="1"/>
+            <p:nvPr/>
+          </p:nvSpPr>
+          <p:spPr>
+            <a:xfrm rot="1119437">
+              <a:off x="6618738" y="1695959"/>
+              <a:ext cx="632460" cy="307777"/>
+            </a:xfrm>
+            <a:prstGeom prst="rect">
+              <a:avLst/>
+            </a:prstGeom>
+            <a:noFill/>
+          </p:spPr>
+          <p:txBody>
+            <a:bodyPr wrap="square" rtlCol="0">
+              <a:spAutoFit/>
+            </a:bodyPr>
+            <a:lstStyle/>
+            <a:p>
+              <a:r>
+                <a:rPr lang="en-US" sz="1400" dirty="0">
+                  <a:solidFill>
+                    <a:srgbClr val="C00000"/>
+                  </a:solidFill>
+                </a:rPr>
+                <a:t>push</a:t>
+              </a:r>
+              <a:endParaRPr lang="th-TH" sz="1400" dirty="0">
+                <a:solidFill>
+                  <a:srgbClr val="C00000"/>
+                </a:solidFill>
+              </a:endParaRPr>
+            </a:p>
+          </p:txBody>
+        </p:sp>
+        <p:sp>
+          <p:nvSpPr>
+            <p:cNvPr id="29" name="TextBox 28">
+              <a:extLst>
+                <a:ext uri="{FF2B5EF4-FFF2-40B4-BE49-F238E27FC236}">
+                  <a16:creationId xmlns:a16="http://schemas.microsoft.com/office/drawing/2014/main" id="{525FD63D-5355-4024-B1D1-FECD04A86813}"/>
+                </a:ext>
+              </a:extLst>
+            </p:cNvPr>
+            <p:cNvSpPr txBox="1"/>
+            <p:nvPr/>
+          </p:nvSpPr>
+          <p:spPr>
+            <a:xfrm>
+              <a:off x="8591880" y="2970811"/>
+              <a:ext cx="1756410" cy="307777"/>
+            </a:xfrm>
+            <a:prstGeom prst="rect">
+              <a:avLst/>
+            </a:prstGeom>
+            <a:noFill/>
+          </p:spPr>
+          <p:txBody>
+            <a:bodyPr wrap="square" rtlCol="0">
+              <a:spAutoFit/>
+            </a:bodyPr>
+            <a:lstStyle/>
+            <a:p>
+              <a:r>
+                <a:rPr lang="en-US" sz="1400" dirty="0"/>
+                <a:t>Remote Repository</a:t>
+              </a:r>
+              <a:endParaRPr lang="th-TH" sz="1400" dirty="0"/>
+            </a:p>
+          </p:txBody>
+        </p:sp>
+        <p:sp>
+          <p:nvSpPr>
+            <p:cNvPr id="30" name="Rectangle: Rounded Corners 29">
+              <a:extLst>
+                <a:ext uri="{FF2B5EF4-FFF2-40B4-BE49-F238E27FC236}">
+                  <a16:creationId xmlns:a16="http://schemas.microsoft.com/office/drawing/2014/main" id="{92592B09-004F-4019-95DA-EB2BB46A24A9}"/>
+                </a:ext>
+              </a:extLst>
+            </p:cNvPr>
+            <p:cNvSpPr/>
+            <p:nvPr/>
+          </p:nvSpPr>
+          <p:spPr>
+            <a:xfrm>
+              <a:off x="1282147" y="443948"/>
+              <a:ext cx="4589675" cy="2394340"/>
+            </a:xfrm>
+            <a:prstGeom prst="roundRect">
+              <a:avLst>
+                <a:gd name="adj" fmla="val 7119"/>
+              </a:avLst>
+            </a:prstGeom>
+            <a:solidFill>
+              <a:schemeClr val="accent6">
+                <a:lumMod val="20000"/>
+                <a:lumOff val="80000"/>
+              </a:schemeClr>
+            </a:solidFill>
+          </p:spPr>
+          <p:style>
+            <a:lnRef idx="1">
+              <a:schemeClr val="accent6"/>
+            </a:lnRef>
+            <a:fillRef idx="2">
+              <a:schemeClr val="accent6"/>
+            </a:fillRef>
+            <a:effectRef idx="1">
+              <a:schemeClr val="accent6"/>
+            </a:effectRef>
+            <a:fontRef idx="minor">
+              <a:schemeClr val="dk1"/>
+            </a:fontRef>
+          </p:style>
+          <p:txBody>
+            <a:bodyPr rtlCol="0" anchor="ctr"/>
+            <a:lstStyle/>
+            <a:p>
+              <a:pPr algn="ctr"/>
+              <a:endParaRPr lang="th-TH"/>
+            </a:p>
+          </p:txBody>
+        </p:sp>
+        <p:sp>
+          <p:nvSpPr>
+            <p:cNvPr id="31" name="TextBox 30">
+              <a:extLst>
+                <a:ext uri="{FF2B5EF4-FFF2-40B4-BE49-F238E27FC236}">
+                  <a16:creationId xmlns:a16="http://schemas.microsoft.com/office/drawing/2014/main" id="{2C1597CA-5F1B-46CD-A202-3F47361ABD18}"/>
+                </a:ext>
+              </a:extLst>
+            </p:cNvPr>
+            <p:cNvSpPr txBox="1"/>
+            <p:nvPr/>
+          </p:nvSpPr>
+          <p:spPr>
+            <a:xfrm>
+              <a:off x="4831410" y="443948"/>
+              <a:ext cx="731520" cy="307777"/>
+            </a:xfrm>
+            <a:prstGeom prst="rect">
+              <a:avLst/>
+            </a:prstGeom>
+            <a:noFill/>
+          </p:spPr>
+          <p:txBody>
+            <a:bodyPr wrap="square" rtlCol="0">
+              <a:spAutoFit/>
+            </a:bodyPr>
+            <a:lstStyle/>
+            <a:p>
+              <a:r>
+                <a:rPr lang="en-US" sz="1400" dirty="0"/>
+                <a:t>User A</a:t>
+              </a:r>
+              <a:endParaRPr lang="th-TH" sz="1400" dirty="0"/>
+            </a:p>
+          </p:txBody>
+        </p:sp>
+        <p:sp>
+          <p:nvSpPr>
+            <p:cNvPr id="34" name="Cylinder 33">
+              <a:extLst>
+                <a:ext uri="{FF2B5EF4-FFF2-40B4-BE49-F238E27FC236}">
+                  <a16:creationId xmlns:a16="http://schemas.microsoft.com/office/drawing/2014/main" id="{55642209-5471-4A4D-A087-3BDAC9867D65}"/>
+                </a:ext>
+              </a:extLst>
+            </p:cNvPr>
+            <p:cNvSpPr/>
+            <p:nvPr/>
+          </p:nvSpPr>
+          <p:spPr>
+            <a:xfrm>
+              <a:off x="5077226" y="1301084"/>
+              <a:ext cx="326954" cy="546641"/>
+            </a:xfrm>
+            <a:prstGeom prst="can">
+              <a:avLst/>
+            </a:prstGeom>
+          </p:spPr>
+          <p:style>
+            <a:lnRef idx="2">
+              <a:schemeClr val="accent1">
+                <a:shade val="50000"/>
+              </a:schemeClr>
+            </a:lnRef>
+            <a:fillRef idx="1">
+              <a:schemeClr val="accent1"/>
+            </a:fillRef>
+            <a:effectRef idx="0">
+              <a:schemeClr val="accent1"/>
+            </a:effectRef>
+            <a:fontRef idx="minor">
+              <a:schemeClr val="lt1"/>
+            </a:fontRef>
+          </p:style>
+          <p:txBody>
+            <a:bodyPr rtlCol="0" anchor="ctr"/>
+            <a:lstStyle/>
+            <a:p>
+              <a:pPr algn="ctr"/>
+              <a:endParaRPr lang="th-TH"/>
+            </a:p>
+          </p:txBody>
+        </p:sp>
+        <p:pic>
+          <p:nvPicPr>
+            <p:cNvPr id="44" name="Picture 2" descr="C:\Users\t-dantay\Documents\Placeholders\file.png">
+              <a:extLst>
+                <a:ext uri="{FF2B5EF4-FFF2-40B4-BE49-F238E27FC236}">
+                  <a16:creationId xmlns:a16="http://schemas.microsoft.com/office/drawing/2014/main" id="{C3F3B396-47D5-4758-B0B9-51D5D5C1A3B7}"/>
+                </a:ext>
+              </a:extLst>
+            </p:cNvPr>
+            <p:cNvPicPr>
+              <a:picLocks noChangeAspect="1" noChangeArrowheads="1"/>
+            </p:cNvPicPr>
+            <p:nvPr>
+              <p:custDataLst>
+                <p:custData r:id="rId1"/>
+              </p:custDataLst>
+            </p:nvPr>
+          </p:nvPicPr>
+          <p:blipFill>
+            <a:blip r:embed="rId6" cstate="print">
+              <a:extLst>
+                <a:ext uri="{28A0092B-C50C-407E-A947-70E740481C1C}">
+                  <a14:useLocalDpi xmlns:a14="http://schemas.microsoft.com/office/drawing/2010/main" val="0"/>
+                </a:ext>
+              </a:extLst>
+            </a:blip>
+            <a:srcRect/>
+            <a:stretch>
+              <a:fillRect/>
+            </a:stretch>
+          </p:blipFill>
+          <p:spPr bwMode="auto">
+            <a:xfrm>
+              <a:off x="1887305" y="1254007"/>
+              <a:ext cx="326954" cy="447006"/>
+            </a:xfrm>
+            <a:prstGeom prst="rect">
+              <a:avLst/>
+            </a:prstGeom>
+            <a:noFill/>
+            <a:extLst>
+              <a:ext uri="{909E8E84-426E-40DD-AFC4-6F175D3DCCD1}">
+                <a14:hiddenFill xmlns:a14="http://schemas.microsoft.com/office/drawing/2010/main">
+                  <a:solidFill>
+                    <a:srgbClr val="FFFFFF"/>
+                  </a:solidFill>
+                </a14:hiddenFill>
+              </a:ext>
+            </a:extLst>
+          </p:spPr>
+        </p:pic>
+        <p:sp>
+          <p:nvSpPr>
+            <p:cNvPr id="46" name="Rectangle: Rounded Corners 45">
+              <a:extLst>
+                <a:ext uri="{FF2B5EF4-FFF2-40B4-BE49-F238E27FC236}">
+                  <a16:creationId xmlns:a16="http://schemas.microsoft.com/office/drawing/2014/main" id="{C9669865-CE05-4ECE-A9EF-0B52165F9AD6}"/>
+                </a:ext>
+              </a:extLst>
+            </p:cNvPr>
+            <p:cNvSpPr/>
+            <p:nvPr/>
+          </p:nvSpPr>
+          <p:spPr>
+            <a:xfrm>
+              <a:off x="3414090" y="1063073"/>
+              <a:ext cx="909533" cy="1279137"/>
+            </a:xfrm>
+            <a:prstGeom prst="roundRect">
+              <a:avLst/>
+            </a:prstGeom>
+            <a:solidFill>
+              <a:schemeClr val="accent4">
+                <a:lumMod val="20000"/>
+                <a:lumOff val="80000"/>
+              </a:schemeClr>
+            </a:solidFill>
+          </p:spPr>
+          <p:style>
+            <a:lnRef idx="1">
+              <a:schemeClr val="accent4"/>
+            </a:lnRef>
+            <a:fillRef idx="2">
+              <a:schemeClr val="accent4"/>
+            </a:fillRef>
+            <a:effectRef idx="1">
+              <a:schemeClr val="accent4"/>
+            </a:effectRef>
+            <a:fontRef idx="minor">
+              <a:schemeClr val="dk1"/>
+            </a:fontRef>
+          </p:style>
+          <p:txBody>
+            <a:bodyPr rtlCol="0" anchor="ctr"/>
+            <a:lstStyle/>
+            <a:p>
+              <a:pPr algn="ctr"/>
+              <a:endParaRPr lang="th-TH"/>
+            </a:p>
+          </p:txBody>
+        </p:sp>
+        <p:sp>
+          <p:nvSpPr>
+            <p:cNvPr id="47" name="TextBox 46">
+              <a:extLst>
+                <a:ext uri="{FF2B5EF4-FFF2-40B4-BE49-F238E27FC236}">
+                  <a16:creationId xmlns:a16="http://schemas.microsoft.com/office/drawing/2014/main" id="{4D63F270-A374-4FCF-AE96-87BAEEEC1D23}"/>
+                </a:ext>
+              </a:extLst>
+            </p:cNvPr>
+            <p:cNvSpPr txBox="1"/>
+            <p:nvPr/>
+          </p:nvSpPr>
+          <p:spPr>
+            <a:xfrm>
+              <a:off x="1691698" y="1733890"/>
+              <a:ext cx="1204240" cy="338554"/>
+            </a:xfrm>
+            <a:prstGeom prst="rect">
+              <a:avLst/>
+            </a:prstGeom>
+            <a:noFill/>
+          </p:spPr>
+          <p:txBody>
+            <a:bodyPr wrap="none" rtlCol="0">
+              <a:spAutoFit/>
+            </a:bodyPr>
+            <a:lstStyle/>
+            <a:p>
+              <a:r>
+                <a:rPr lang="en-US" sz="1600" dirty="0"/>
+                <a:t>Source code</a:t>
+              </a:r>
+              <a:endParaRPr lang="th-TH" sz="1600" dirty="0"/>
+            </a:p>
+          </p:txBody>
+        </p:sp>
+        <p:sp>
+          <p:nvSpPr>
+            <p:cNvPr id="51" name="TextBox 50">
+              <a:extLst>
+                <a:ext uri="{FF2B5EF4-FFF2-40B4-BE49-F238E27FC236}">
+                  <a16:creationId xmlns:a16="http://schemas.microsoft.com/office/drawing/2014/main" id="{37832653-F8BB-4809-99F4-876A1403883E}"/>
+                </a:ext>
+              </a:extLst>
+            </p:cNvPr>
+            <p:cNvSpPr txBox="1"/>
+            <p:nvPr/>
+          </p:nvSpPr>
+          <p:spPr>
+            <a:xfrm>
+              <a:off x="3260202" y="696998"/>
+              <a:ext cx="1203791" cy="338554"/>
+            </a:xfrm>
+            <a:prstGeom prst="rect">
+              <a:avLst/>
+            </a:prstGeom>
+            <a:noFill/>
+          </p:spPr>
+          <p:txBody>
+            <a:bodyPr wrap="none" rtlCol="0">
+              <a:spAutoFit/>
+            </a:bodyPr>
+            <a:lstStyle/>
+            <a:p>
+              <a:r>
+                <a:rPr lang="en-US" sz="1600" dirty="0"/>
+                <a:t>Staging area</a:t>
+              </a:r>
+              <a:endParaRPr lang="th-TH" sz="1600" dirty="0"/>
+            </a:p>
+          </p:txBody>
+        </p:sp>
+        <p:cxnSp>
+          <p:nvCxnSpPr>
+            <p:cNvPr id="53" name="Straight Arrow Connector 52">
+              <a:extLst>
+                <a:ext uri="{FF2B5EF4-FFF2-40B4-BE49-F238E27FC236}">
+                  <a16:creationId xmlns:a16="http://schemas.microsoft.com/office/drawing/2014/main" id="{8F428E27-9A34-4886-BDF5-D067C3972774}"/>
+                </a:ext>
+              </a:extLst>
+            </p:cNvPr>
+            <p:cNvCxnSpPr>
+              <a:cxnSpLocks/>
+              <a:stCxn id="44" idx="3"/>
+            </p:cNvCxnSpPr>
+            <p:nvPr/>
+          </p:nvCxnSpPr>
+          <p:spPr>
+            <a:xfrm>
+              <a:off x="2214259" y="1477510"/>
+              <a:ext cx="1502268" cy="0"/>
+            </a:xfrm>
+            <a:prstGeom prst="straightConnector1">
+              <a:avLst/>
+            </a:prstGeom>
+            <a:ln w="38100">
+              <a:solidFill>
+                <a:schemeClr val="accent6">
+                  <a:lumMod val="75000"/>
+                </a:schemeClr>
+              </a:solidFill>
+              <a:tailEnd type="triangle"/>
+            </a:ln>
+          </p:spPr>
+          <p:style>
+            <a:lnRef idx="1">
+              <a:schemeClr val="accent1"/>
+            </a:lnRef>
+            <a:fillRef idx="0">
+              <a:schemeClr val="accent1"/>
+            </a:fillRef>
+            <a:effectRef idx="0">
+              <a:schemeClr val="accent1"/>
+            </a:effectRef>
+            <a:fontRef idx="minor">
+              <a:schemeClr val="tx1"/>
+            </a:fontRef>
+          </p:style>
+        </p:cxnSp>
+        <p:pic>
+          <p:nvPicPr>
+            <p:cNvPr id="54" name="Picture 2" descr="C:\Users\t-dantay\Documents\Placeholders\file.png">
+              <a:extLst>
+                <a:ext uri="{FF2B5EF4-FFF2-40B4-BE49-F238E27FC236}">
+                  <a16:creationId xmlns:a16="http://schemas.microsoft.com/office/drawing/2014/main" id="{00FEF341-6969-4C6C-AF14-E0144BC107ED}"/>
+                </a:ext>
+              </a:extLst>
+            </p:cNvPr>
+            <p:cNvPicPr>
+              <a:picLocks noChangeAspect="1" noChangeArrowheads="1"/>
+            </p:cNvPicPr>
+            <p:nvPr>
+              <p:custDataLst>
+                <p:custData r:id="rId2"/>
+              </p:custDataLst>
+            </p:nvPr>
+          </p:nvPicPr>
+          <p:blipFill>
+            <a:blip r:embed="rId6" cstate="print">
+              <a:extLst>
+                <a:ext uri="{28A0092B-C50C-407E-A947-70E740481C1C}">
+                  <a14:useLocalDpi xmlns:a14="http://schemas.microsoft.com/office/drawing/2010/main" val="0"/>
+                </a:ext>
+              </a:extLst>
+            </a:blip>
+            <a:srcRect/>
+            <a:stretch>
+              <a:fillRect/>
+            </a:stretch>
+          </p:blipFill>
+          <p:spPr bwMode="auto">
+            <a:xfrm>
+              <a:off x="3716527" y="1254007"/>
+              <a:ext cx="326954" cy="447006"/>
+            </a:xfrm>
+            <a:prstGeom prst="rect">
+              <a:avLst/>
+            </a:prstGeom>
+            <a:noFill/>
+            <a:extLst>
+              <a:ext uri="{909E8E84-426E-40DD-AFC4-6F175D3DCCD1}">
+                <a14:hiddenFill xmlns:a14="http://schemas.microsoft.com/office/drawing/2010/main">
+                  <a:solidFill>
+                    <a:srgbClr val="FFFFFF"/>
+                  </a:solidFill>
+                </a14:hiddenFill>
+              </a:ext>
+            </a:extLst>
+          </p:spPr>
+        </p:pic>
+        <p:cxnSp>
+          <p:nvCxnSpPr>
+            <p:cNvPr id="55" name="Straight Arrow Connector 54">
+              <a:extLst>
+                <a:ext uri="{FF2B5EF4-FFF2-40B4-BE49-F238E27FC236}">
+                  <a16:creationId xmlns:a16="http://schemas.microsoft.com/office/drawing/2014/main" id="{178F0849-E37D-488F-A606-14A1907B0FD7}"/>
+                </a:ext>
+              </a:extLst>
+            </p:cNvPr>
+            <p:cNvCxnSpPr>
+              <a:cxnSpLocks/>
+            </p:cNvCxnSpPr>
+            <p:nvPr/>
+          </p:nvCxnSpPr>
+          <p:spPr>
+            <a:xfrm>
+              <a:off x="4043481" y="1477510"/>
+              <a:ext cx="1033745" cy="0"/>
+            </a:xfrm>
+            <a:prstGeom prst="straightConnector1">
+              <a:avLst/>
+            </a:prstGeom>
+            <a:ln w="38100">
+              <a:solidFill>
+                <a:schemeClr val="accent6">
+                  <a:lumMod val="75000"/>
+                </a:schemeClr>
+              </a:solidFill>
+              <a:tailEnd type="triangle"/>
+            </a:ln>
+          </p:spPr>
+          <p:style>
+            <a:lnRef idx="1">
+              <a:schemeClr val="accent1"/>
+            </a:lnRef>
+            <a:fillRef idx="0">
+              <a:schemeClr val="accent1"/>
+            </a:fillRef>
+            <a:effectRef idx="0">
+              <a:schemeClr val="accent1"/>
+            </a:effectRef>
+            <a:fontRef idx="minor">
+              <a:schemeClr val="tx1"/>
+            </a:fontRef>
+          </p:style>
+        </p:cxnSp>
+        <p:sp>
+          <p:nvSpPr>
+            <p:cNvPr id="61" name="TextBox 60">
+              <a:extLst>
+                <a:ext uri="{FF2B5EF4-FFF2-40B4-BE49-F238E27FC236}">
+                  <a16:creationId xmlns:a16="http://schemas.microsoft.com/office/drawing/2014/main" id="{19E9B6D9-E7CB-402F-9429-4911CA39A3EB}"/>
+                </a:ext>
+              </a:extLst>
+            </p:cNvPr>
+            <p:cNvSpPr txBox="1"/>
+            <p:nvPr/>
+          </p:nvSpPr>
+          <p:spPr>
+            <a:xfrm>
+              <a:off x="2520998" y="1202276"/>
+              <a:ext cx="618632" cy="307777"/>
+            </a:xfrm>
+            <a:prstGeom prst="rect">
+              <a:avLst/>
+            </a:prstGeom>
+            <a:noFill/>
+          </p:spPr>
+          <p:txBody>
+            <a:bodyPr wrap="square" rtlCol="0">
+              <a:spAutoFit/>
+            </a:bodyPr>
+            <a:lstStyle/>
+            <a:p>
+              <a:r>
+                <a:rPr lang="en-US" sz="1400" dirty="0">
+                  <a:solidFill>
+                    <a:srgbClr val="C00000"/>
+                  </a:solidFill>
+                </a:rPr>
+                <a:t>add</a:t>
+              </a:r>
+              <a:endParaRPr lang="th-TH" sz="1400" dirty="0">
+                <a:solidFill>
+                  <a:srgbClr val="C00000"/>
+                </a:solidFill>
+              </a:endParaRPr>
+            </a:p>
+          </p:txBody>
+        </p:sp>
+        <p:sp>
+          <p:nvSpPr>
+            <p:cNvPr id="63" name="TextBox 62">
+              <a:extLst>
+                <a:ext uri="{FF2B5EF4-FFF2-40B4-BE49-F238E27FC236}">
+                  <a16:creationId xmlns:a16="http://schemas.microsoft.com/office/drawing/2014/main" id="{BA3A3199-E5AE-4C80-8A8E-C15C95AD3585}"/>
+                </a:ext>
+              </a:extLst>
+            </p:cNvPr>
+            <p:cNvSpPr txBox="1"/>
+            <p:nvPr/>
+          </p:nvSpPr>
+          <p:spPr>
+            <a:xfrm>
+              <a:off x="4293742" y="1202276"/>
+              <a:ext cx="810577" cy="307777"/>
+            </a:xfrm>
+            <a:prstGeom prst="rect">
+              <a:avLst/>
+            </a:prstGeom>
+            <a:noFill/>
+          </p:spPr>
+          <p:txBody>
+            <a:bodyPr wrap="square" rtlCol="0">
+              <a:spAutoFit/>
+            </a:bodyPr>
+            <a:lstStyle/>
+            <a:p>
+              <a:r>
+                <a:rPr lang="en-US" sz="1400" dirty="0">
+                  <a:solidFill>
+                    <a:srgbClr val="C00000"/>
+                  </a:solidFill>
+                </a:rPr>
+                <a:t>commit</a:t>
+              </a:r>
+              <a:endParaRPr lang="th-TH" sz="1400" dirty="0">
+                <a:solidFill>
+                  <a:srgbClr val="C00000"/>
+                </a:solidFill>
+              </a:endParaRPr>
+            </a:p>
+          </p:txBody>
+        </p:sp>
+        <p:sp>
+          <p:nvSpPr>
+            <p:cNvPr id="66" name="TextBox 65">
+              <a:extLst>
+                <a:ext uri="{FF2B5EF4-FFF2-40B4-BE49-F238E27FC236}">
+                  <a16:creationId xmlns:a16="http://schemas.microsoft.com/office/drawing/2014/main" id="{B3C01F58-B82F-4663-AF4D-BB34CBC8AFDC}"/>
+                </a:ext>
+              </a:extLst>
+            </p:cNvPr>
+            <p:cNvSpPr txBox="1"/>
+            <p:nvPr/>
+          </p:nvSpPr>
+          <p:spPr>
+            <a:xfrm>
+              <a:off x="1282147" y="737491"/>
+              <a:ext cx="1703287" cy="338554"/>
+            </a:xfrm>
+            <a:prstGeom prst="rect">
+              <a:avLst/>
+            </a:prstGeom>
+            <a:noFill/>
+          </p:spPr>
+          <p:txBody>
+            <a:bodyPr wrap="none" rtlCol="0">
+              <a:spAutoFit/>
+            </a:bodyPr>
+            <a:lstStyle/>
+            <a:p>
+              <a:r>
+                <a:rPr lang="en-US" sz="1600" dirty="0"/>
+                <a:t>Working Directory</a:t>
+              </a:r>
+              <a:endParaRPr lang="th-TH" sz="1600" dirty="0"/>
+            </a:p>
+          </p:txBody>
+        </p:sp>
+        <p:sp>
+          <p:nvSpPr>
+            <p:cNvPr id="67" name="Rectangle: Rounded Corners 66">
+              <a:extLst>
+                <a:ext uri="{FF2B5EF4-FFF2-40B4-BE49-F238E27FC236}">
+                  <a16:creationId xmlns:a16="http://schemas.microsoft.com/office/drawing/2014/main" id="{0FBC046F-F496-422F-A3F8-20EF1B8AF148}"/>
+                </a:ext>
+              </a:extLst>
+            </p:cNvPr>
+            <p:cNvSpPr/>
+            <p:nvPr/>
+          </p:nvSpPr>
+          <p:spPr>
+            <a:xfrm>
+              <a:off x="1282147" y="3743408"/>
+              <a:ext cx="4589675" cy="2394340"/>
+            </a:xfrm>
+            <a:prstGeom prst="roundRect">
+              <a:avLst>
+                <a:gd name="adj" fmla="val 7119"/>
+              </a:avLst>
+            </a:prstGeom>
+            <a:solidFill>
+              <a:schemeClr val="bg1"/>
+            </a:solidFill>
+            <a:ln>
+              <a:solidFill>
+                <a:schemeClr val="accent5"/>
+              </a:solidFill>
+            </a:ln>
+          </p:spPr>
+          <p:style>
+            <a:lnRef idx="1">
+              <a:schemeClr val="accent5"/>
+            </a:lnRef>
+            <a:fillRef idx="2">
+              <a:schemeClr val="accent5"/>
+            </a:fillRef>
+            <a:effectRef idx="1">
+              <a:schemeClr val="accent5"/>
+            </a:effectRef>
+            <a:fontRef idx="minor">
+              <a:schemeClr val="dk1"/>
+            </a:fontRef>
+          </p:style>
+          <p:txBody>
+            <a:bodyPr rtlCol="0" anchor="ctr"/>
+            <a:lstStyle/>
+            <a:p>
+              <a:pPr algn="ctr"/>
+              <a:endParaRPr lang="th-TH"/>
+            </a:p>
+          </p:txBody>
+        </p:sp>
+        <p:sp>
+          <p:nvSpPr>
+            <p:cNvPr id="68" name="TextBox 67">
+              <a:extLst>
+                <a:ext uri="{FF2B5EF4-FFF2-40B4-BE49-F238E27FC236}">
+                  <a16:creationId xmlns:a16="http://schemas.microsoft.com/office/drawing/2014/main" id="{9718B331-2D4E-4D9D-895B-3537FCE51FB3}"/>
+                </a:ext>
+              </a:extLst>
+            </p:cNvPr>
+            <p:cNvSpPr txBox="1"/>
+            <p:nvPr/>
+          </p:nvSpPr>
+          <p:spPr>
+            <a:xfrm>
+              <a:off x="4831410" y="3743408"/>
+              <a:ext cx="731520" cy="307777"/>
+            </a:xfrm>
+            <a:prstGeom prst="rect">
+              <a:avLst/>
+            </a:prstGeom>
+            <a:noFill/>
+          </p:spPr>
+          <p:txBody>
+            <a:bodyPr wrap="square" rtlCol="0">
+              <a:spAutoFit/>
+            </a:bodyPr>
+            <a:lstStyle/>
+            <a:p>
+              <a:r>
+                <a:rPr lang="en-US" sz="1400" dirty="0"/>
+                <a:t>User B</a:t>
+              </a:r>
+              <a:endParaRPr lang="th-TH" sz="1400" dirty="0"/>
+            </a:p>
+          </p:txBody>
+        </p:sp>
+        <p:sp>
+          <p:nvSpPr>
+            <p:cNvPr id="69" name="Cylinder 68">
+              <a:extLst>
+                <a:ext uri="{FF2B5EF4-FFF2-40B4-BE49-F238E27FC236}">
+                  <a16:creationId xmlns:a16="http://schemas.microsoft.com/office/drawing/2014/main" id="{208832FA-C597-4346-896F-194250C6E4CC}"/>
+                </a:ext>
+              </a:extLst>
+            </p:cNvPr>
+            <p:cNvSpPr/>
+            <p:nvPr/>
+          </p:nvSpPr>
+          <p:spPr>
+            <a:xfrm>
+              <a:off x="5077226" y="4600544"/>
+              <a:ext cx="326954" cy="546641"/>
+            </a:xfrm>
+            <a:prstGeom prst="can">
+              <a:avLst/>
+            </a:prstGeom>
+          </p:spPr>
+          <p:style>
+            <a:lnRef idx="2">
+              <a:schemeClr val="accent1">
+                <a:shade val="50000"/>
+              </a:schemeClr>
+            </a:lnRef>
+            <a:fillRef idx="1">
+              <a:schemeClr val="accent1"/>
+            </a:fillRef>
+            <a:effectRef idx="0">
+              <a:schemeClr val="accent1"/>
+            </a:effectRef>
+            <a:fontRef idx="minor">
+              <a:schemeClr val="lt1"/>
+            </a:fontRef>
+          </p:style>
+          <p:txBody>
+            <a:bodyPr rtlCol="0" anchor="ctr"/>
+            <a:lstStyle/>
+            <a:p>
+              <a:pPr algn="ctr"/>
+              <a:endParaRPr lang="th-TH"/>
+            </a:p>
+          </p:txBody>
+        </p:sp>
+        <p:pic>
+          <p:nvPicPr>
+            <p:cNvPr id="70" name="Picture 2" descr="C:\Users\t-dantay\Documents\Placeholders\file.png">
+              <a:extLst>
+                <a:ext uri="{FF2B5EF4-FFF2-40B4-BE49-F238E27FC236}">
+                  <a16:creationId xmlns:a16="http://schemas.microsoft.com/office/drawing/2014/main" id="{289947E4-9815-42C6-994A-1007E2AE5A6B}"/>
+                </a:ext>
+              </a:extLst>
+            </p:cNvPr>
+            <p:cNvPicPr>
+              <a:picLocks noChangeAspect="1" noChangeArrowheads="1"/>
+            </p:cNvPicPr>
+            <p:nvPr>
+              <p:custDataLst>
+                <p:custData r:id="rId3"/>
+              </p:custDataLst>
+            </p:nvPr>
+          </p:nvPicPr>
+          <p:blipFill>
+            <a:blip r:embed="rId6" cstate="print">
+              <a:extLst>
+                <a:ext uri="{28A0092B-C50C-407E-A947-70E740481C1C}">
+                  <a14:useLocalDpi xmlns:a14="http://schemas.microsoft.com/office/drawing/2010/main" val="0"/>
+                </a:ext>
+              </a:extLst>
+            </a:blip>
+            <a:srcRect/>
+            <a:stretch>
+              <a:fillRect/>
+            </a:stretch>
+          </p:blipFill>
+          <p:spPr bwMode="auto">
+            <a:xfrm>
+              <a:off x="1887305" y="4553467"/>
+              <a:ext cx="326954" cy="447006"/>
+            </a:xfrm>
+            <a:prstGeom prst="rect">
+              <a:avLst/>
+            </a:prstGeom>
+            <a:noFill/>
+            <a:extLst>
+              <a:ext uri="{909E8E84-426E-40DD-AFC4-6F175D3DCCD1}">
+                <a14:hiddenFill xmlns:a14="http://schemas.microsoft.com/office/drawing/2010/main">
+                  <a:solidFill>
+                    <a:srgbClr val="FFFFFF"/>
+                  </a:solidFill>
+                </a14:hiddenFill>
+              </a:ext>
+            </a:extLst>
+          </p:spPr>
+        </p:pic>
+        <p:sp>
+          <p:nvSpPr>
+            <p:cNvPr id="71" name="Rectangle: Rounded Corners 70">
+              <a:extLst>
+                <a:ext uri="{FF2B5EF4-FFF2-40B4-BE49-F238E27FC236}">
+                  <a16:creationId xmlns:a16="http://schemas.microsoft.com/office/drawing/2014/main" id="{06127740-16F6-49AB-8413-CD84B69184C3}"/>
+                </a:ext>
+              </a:extLst>
+            </p:cNvPr>
+            <p:cNvSpPr/>
+            <p:nvPr/>
+          </p:nvSpPr>
+          <p:spPr>
+            <a:xfrm>
+              <a:off x="3414090" y="4362533"/>
+              <a:ext cx="909533" cy="1279137"/>
+            </a:xfrm>
+            <a:prstGeom prst="roundRect">
+              <a:avLst/>
+            </a:prstGeom>
+            <a:solidFill>
+              <a:schemeClr val="accent4">
+                <a:lumMod val="20000"/>
+                <a:lumOff val="80000"/>
+              </a:schemeClr>
+            </a:solidFill>
+          </p:spPr>
+          <p:style>
+            <a:lnRef idx="1">
+              <a:schemeClr val="accent4"/>
+            </a:lnRef>
+            <a:fillRef idx="2">
+              <a:schemeClr val="accent4"/>
+            </a:fillRef>
+            <a:effectRef idx="1">
+              <a:schemeClr val="accent4"/>
+            </a:effectRef>
+            <a:fontRef idx="minor">
+              <a:schemeClr val="dk1"/>
+            </a:fontRef>
+          </p:style>
+          <p:txBody>
+            <a:bodyPr rtlCol="0" anchor="ctr"/>
+            <a:lstStyle/>
+            <a:p>
+              <a:pPr algn="ctr"/>
+              <a:endParaRPr lang="th-TH"/>
+            </a:p>
+          </p:txBody>
+        </p:sp>
+        <p:sp>
+          <p:nvSpPr>
+            <p:cNvPr id="72" name="TextBox 71">
+              <a:extLst>
+                <a:ext uri="{FF2B5EF4-FFF2-40B4-BE49-F238E27FC236}">
+                  <a16:creationId xmlns:a16="http://schemas.microsoft.com/office/drawing/2014/main" id="{62A1F116-7A0D-4FB7-BEAD-494224E97903}"/>
+                </a:ext>
+              </a:extLst>
+            </p:cNvPr>
+            <p:cNvSpPr txBox="1"/>
+            <p:nvPr/>
+          </p:nvSpPr>
+          <p:spPr>
+            <a:xfrm>
+              <a:off x="1691698" y="5033350"/>
+              <a:ext cx="1204240" cy="338554"/>
+            </a:xfrm>
+            <a:prstGeom prst="rect">
+              <a:avLst/>
+            </a:prstGeom>
+            <a:noFill/>
+          </p:spPr>
+          <p:txBody>
+            <a:bodyPr wrap="none" rtlCol="0">
+              <a:spAutoFit/>
+            </a:bodyPr>
+            <a:lstStyle/>
+            <a:p>
+              <a:r>
+                <a:rPr lang="en-US" sz="1600" dirty="0"/>
+                <a:t>Source code</a:t>
+              </a:r>
+              <a:endParaRPr lang="th-TH" sz="1600" dirty="0"/>
+            </a:p>
+          </p:txBody>
+        </p:sp>
+        <p:sp>
+          <p:nvSpPr>
+            <p:cNvPr id="73" name="TextBox 72">
+              <a:extLst>
+                <a:ext uri="{FF2B5EF4-FFF2-40B4-BE49-F238E27FC236}">
+                  <a16:creationId xmlns:a16="http://schemas.microsoft.com/office/drawing/2014/main" id="{CFE5409D-BF19-40BB-8E96-01C59DA761B5}"/>
+                </a:ext>
+              </a:extLst>
+            </p:cNvPr>
+            <p:cNvSpPr txBox="1"/>
+            <p:nvPr/>
+          </p:nvSpPr>
+          <p:spPr>
+            <a:xfrm>
+              <a:off x="3260202" y="3996458"/>
+              <a:ext cx="1203791" cy="338554"/>
+            </a:xfrm>
+            <a:prstGeom prst="rect">
+              <a:avLst/>
+            </a:prstGeom>
+            <a:noFill/>
+          </p:spPr>
+          <p:txBody>
+            <a:bodyPr wrap="none" rtlCol="0">
+              <a:spAutoFit/>
+            </a:bodyPr>
+            <a:lstStyle/>
+            <a:p>
+              <a:r>
+                <a:rPr lang="en-US" sz="1600" dirty="0"/>
+                <a:t>Staging area</a:t>
+              </a:r>
+              <a:endParaRPr lang="th-TH" sz="1600" dirty="0"/>
+            </a:p>
+          </p:txBody>
+        </p:sp>
+        <p:pic>
+          <p:nvPicPr>
+            <p:cNvPr id="75" name="Picture 2" descr="C:\Users\t-dantay\Documents\Placeholders\file.png">
+              <a:extLst>
+                <a:ext uri="{FF2B5EF4-FFF2-40B4-BE49-F238E27FC236}">
+                  <a16:creationId xmlns:a16="http://schemas.microsoft.com/office/drawing/2014/main" id="{60813462-C2D5-4EC9-B63E-46617100625C}"/>
+                </a:ext>
+              </a:extLst>
+            </p:cNvPr>
+            <p:cNvPicPr>
+              <a:picLocks noChangeAspect="1" noChangeArrowheads="1"/>
+            </p:cNvPicPr>
+            <p:nvPr>
+              <p:custDataLst>
+                <p:custData r:id="rId4"/>
+              </p:custDataLst>
+            </p:nvPr>
+          </p:nvPicPr>
+          <p:blipFill>
+            <a:blip r:embed="rId6" cstate="print">
+              <a:extLst>
+                <a:ext uri="{28A0092B-C50C-407E-A947-70E740481C1C}">
+                  <a14:useLocalDpi xmlns:a14="http://schemas.microsoft.com/office/drawing/2010/main" val="0"/>
+                </a:ext>
+              </a:extLst>
+            </a:blip>
+            <a:srcRect/>
+            <a:stretch>
+              <a:fillRect/>
+            </a:stretch>
+          </p:blipFill>
+          <p:spPr bwMode="auto">
+            <a:xfrm>
+              <a:off x="3716527" y="4553467"/>
+              <a:ext cx="326954" cy="447006"/>
+            </a:xfrm>
+            <a:prstGeom prst="rect">
+              <a:avLst/>
+            </a:prstGeom>
+            <a:noFill/>
+            <a:extLst>
+              <a:ext uri="{909E8E84-426E-40DD-AFC4-6F175D3DCCD1}">
+                <a14:hiddenFill xmlns:a14="http://schemas.microsoft.com/office/drawing/2010/main">
+                  <a:solidFill>
+                    <a:srgbClr val="FFFFFF"/>
+                  </a:solidFill>
+                </a14:hiddenFill>
+              </a:ext>
+            </a:extLst>
+          </p:spPr>
+        </p:pic>
+        <p:sp>
+          <p:nvSpPr>
+            <p:cNvPr id="79" name="TextBox 78">
+              <a:extLst>
+                <a:ext uri="{FF2B5EF4-FFF2-40B4-BE49-F238E27FC236}">
+                  <a16:creationId xmlns:a16="http://schemas.microsoft.com/office/drawing/2014/main" id="{FB6DEB9D-053D-47C0-9D0D-264F1525EDC4}"/>
+                </a:ext>
+              </a:extLst>
+            </p:cNvPr>
+            <p:cNvSpPr txBox="1"/>
+            <p:nvPr/>
+          </p:nvSpPr>
+          <p:spPr>
+            <a:xfrm>
+              <a:off x="1282147" y="4036951"/>
+              <a:ext cx="1703287" cy="338554"/>
+            </a:xfrm>
+            <a:prstGeom prst="rect">
+              <a:avLst/>
+            </a:prstGeom>
+            <a:noFill/>
+          </p:spPr>
+          <p:txBody>
+            <a:bodyPr wrap="none" rtlCol="0">
+              <a:spAutoFit/>
+            </a:bodyPr>
+            <a:lstStyle/>
+            <a:p>
+              <a:r>
+                <a:rPr lang="en-US" sz="1600" dirty="0"/>
+                <a:t>Working Directory</a:t>
+              </a:r>
+              <a:endParaRPr lang="th-TH" sz="1600" dirty="0"/>
+            </a:p>
+          </p:txBody>
+        </p:sp>
+        <p:cxnSp>
+          <p:nvCxnSpPr>
+            <p:cNvPr id="13" name="Straight Arrow Connector 12">
+              <a:extLst>
+                <a:ext uri="{FF2B5EF4-FFF2-40B4-BE49-F238E27FC236}">
+                  <a16:creationId xmlns:a16="http://schemas.microsoft.com/office/drawing/2014/main" id="{115873EC-44A5-460E-B0C6-223FB13936C8}"/>
+                </a:ext>
+              </a:extLst>
+            </p:cNvPr>
+            <p:cNvCxnSpPr>
+              <a:cxnSpLocks/>
+            </p:cNvCxnSpPr>
+            <p:nvPr/>
+          </p:nvCxnSpPr>
+          <p:spPr>
+            <a:xfrm>
+              <a:off x="5476875" y="1510053"/>
+              <a:ext cx="3324555" cy="1048445"/>
+            </a:xfrm>
+            <a:prstGeom prst="straightConnector1">
+              <a:avLst/>
+            </a:prstGeom>
+            <a:ln w="38100">
+              <a:solidFill>
+                <a:schemeClr val="accent6">
+                  <a:lumMod val="75000"/>
+                </a:schemeClr>
+              </a:solidFill>
+              <a:tailEnd type="triangle"/>
+            </a:ln>
+          </p:spPr>
+          <p:style>
+            <a:lnRef idx="1">
+              <a:schemeClr val="accent1"/>
+            </a:lnRef>
+            <a:fillRef idx="0">
+              <a:schemeClr val="accent1"/>
+            </a:fillRef>
+            <a:effectRef idx="0">
+              <a:schemeClr val="accent1"/>
+            </a:effectRef>
+            <a:fontRef idx="minor">
+              <a:schemeClr val="tx1"/>
+            </a:fontRef>
+          </p:style>
+        </p:cxnSp>
+        <p:sp>
+          <p:nvSpPr>
+            <p:cNvPr id="81" name="TextBox 80">
+              <a:extLst>
+                <a:ext uri="{FF2B5EF4-FFF2-40B4-BE49-F238E27FC236}">
+                  <a16:creationId xmlns:a16="http://schemas.microsoft.com/office/drawing/2014/main" id="{5449AF6B-8B42-47A8-8676-02937C6D9025}"/>
+                </a:ext>
+              </a:extLst>
+            </p:cNvPr>
+            <p:cNvSpPr txBox="1"/>
+            <p:nvPr/>
+          </p:nvSpPr>
+          <p:spPr>
+            <a:xfrm>
+              <a:off x="4792293" y="1908272"/>
+              <a:ext cx="1004919" cy="738664"/>
+            </a:xfrm>
+            <a:prstGeom prst="rect">
+              <a:avLst/>
+            </a:prstGeom>
+            <a:noFill/>
+          </p:spPr>
+          <p:txBody>
+            <a:bodyPr wrap="square" rtlCol="0">
+              <a:spAutoFit/>
+            </a:bodyPr>
+            <a:lstStyle/>
+            <a:p>
+              <a:pPr algn="ctr"/>
+              <a:r>
+                <a:rPr lang="en-US" sz="1400" dirty="0"/>
+                <a:t>Local</a:t>
+              </a:r>
+            </a:p>
+            <a:p>
+              <a:pPr algn="ctr"/>
+              <a:r>
+                <a:rPr lang="en-US" sz="1400" dirty="0"/>
+                <a:t>Repository</a:t>
+              </a:r>
+            </a:p>
+            <a:p>
+              <a:pPr algn="ctr"/>
+              <a:r>
+                <a:rPr lang="en-US" sz="1400" dirty="0"/>
+                <a:t>A</a:t>
+              </a:r>
+              <a:endParaRPr lang="th-TH" sz="1400" dirty="0"/>
+            </a:p>
+          </p:txBody>
+        </p:sp>
+        <p:sp>
+          <p:nvSpPr>
+            <p:cNvPr id="82" name="TextBox 81">
+              <a:extLst>
+                <a:ext uri="{FF2B5EF4-FFF2-40B4-BE49-F238E27FC236}">
+                  <a16:creationId xmlns:a16="http://schemas.microsoft.com/office/drawing/2014/main" id="{CAA419B4-D008-4698-9A43-1BA531DBDF0A}"/>
+                </a:ext>
+              </a:extLst>
+            </p:cNvPr>
+            <p:cNvSpPr txBox="1"/>
+            <p:nvPr/>
+          </p:nvSpPr>
+          <p:spPr>
+            <a:xfrm>
+              <a:off x="4792293" y="5191408"/>
+              <a:ext cx="1004919" cy="738664"/>
+            </a:xfrm>
+            <a:prstGeom prst="rect">
+              <a:avLst/>
+            </a:prstGeom>
+            <a:noFill/>
+          </p:spPr>
+          <p:txBody>
+            <a:bodyPr wrap="square" rtlCol="0">
+              <a:spAutoFit/>
+            </a:bodyPr>
+            <a:lstStyle/>
+            <a:p>
+              <a:pPr algn="ctr"/>
+              <a:r>
+                <a:rPr lang="en-US" sz="1400" dirty="0"/>
+                <a:t>Local</a:t>
+              </a:r>
+            </a:p>
+            <a:p>
+              <a:pPr algn="ctr"/>
+              <a:r>
+                <a:rPr lang="en-US" sz="1400" dirty="0"/>
+                <a:t>Repository</a:t>
+              </a:r>
+            </a:p>
+            <a:p>
+              <a:pPr algn="ctr"/>
+              <a:r>
+                <a:rPr lang="en-US" sz="1400" dirty="0"/>
+                <a:t>B</a:t>
+              </a:r>
+              <a:endParaRPr lang="th-TH" sz="1400" dirty="0"/>
+            </a:p>
+          </p:txBody>
+        </p:sp>
+      </p:grpSp>
+    </p:spTree>
+    <p:extLst>
+      <p:ext uri="{BB962C8B-B14F-4D97-AF65-F5344CB8AC3E}">
+        <p14:creationId xmlns:p14="http://schemas.microsoft.com/office/powerpoint/2010/main" val="2883440611"/>
+      </p:ext>
+    </p:extLst>
+  </p:cSld>
+  <p:clrMapOvr>
+    <a:masterClrMapping/>
+  </p:clrMapOvr>
+</p:sld>
+</file>
+
+<file path=ppt/slides/slide3.xml><?xml version="1.0" encoding="utf-8"?>
+<p:sld xmlns:a="http://schemas.openxmlformats.org/drawingml/2006/main" xmlns:r="http://schemas.openxmlformats.org/officeDocument/2006/relationships" xmlns:p="http://schemas.openxmlformats.org/presentationml/2006/main">
+  <p:cSld>
+    <p:spTree>
+      <p:nvGrpSpPr>
+        <p:cNvPr id="1" name=""/>
+        <p:cNvGrpSpPr/>
+        <p:nvPr/>
+      </p:nvGrpSpPr>
+      <p:grpSpPr>
+        <a:xfrm>
+          <a:off x="0" y="0"/>
+          <a:ext cx="0" cy="0"/>
+          <a:chOff x="0" y="0"/>
+          <a:chExt cx="0" cy="0"/>
+        </a:xfrm>
+      </p:grpSpPr>
+      <p:grpSp>
+        <p:nvGrpSpPr>
+          <p:cNvPr id="2" name="Group 1">
+            <a:extLst>
+              <a:ext uri="{FF2B5EF4-FFF2-40B4-BE49-F238E27FC236}">
+                <a16:creationId xmlns:a16="http://schemas.microsoft.com/office/drawing/2014/main" id="{92EA250D-2B75-45E8-86D3-E6C5E6F5F92B}"/>
+              </a:ext>
+            </a:extLst>
+          </p:cNvPr>
+          <p:cNvGrpSpPr/>
+          <p:nvPr/>
+        </p:nvGrpSpPr>
+        <p:grpSpPr>
+          <a:xfrm>
+            <a:off x="1448628" y="582100"/>
+            <a:ext cx="9294743" cy="5693800"/>
+            <a:chOff x="1282147" y="443948"/>
+            <a:chExt cx="9294743" cy="5693800"/>
+          </a:xfrm>
+        </p:grpSpPr>
+        <p:sp>
+          <p:nvSpPr>
+            <p:cNvPr id="10" name="Cloud 9">
+              <a:extLst>
+                <a:ext uri="{FF2B5EF4-FFF2-40B4-BE49-F238E27FC236}">
+                  <a16:creationId xmlns:a16="http://schemas.microsoft.com/office/drawing/2014/main" id="{4BD6A03E-551E-4FB6-9FE7-07F9B35D2FD5}"/>
+                </a:ext>
+              </a:extLst>
+            </p:cNvPr>
+            <p:cNvSpPr/>
+            <p:nvPr/>
+          </p:nvSpPr>
+          <p:spPr>
+            <a:xfrm>
+              <a:off x="7795590" y="1244048"/>
+              <a:ext cx="2781300" cy="2628900"/>
+            </a:xfrm>
+            <a:prstGeom prst="cloud">
+              <a:avLst/>
+            </a:prstGeom>
+            <a:solidFill>
+              <a:schemeClr val="bg1">
+                <a:lumMod val="95000"/>
+              </a:schemeClr>
+            </a:solidFill>
+            <a:ln/>
+          </p:spPr>
+          <p:style>
+            <a:lnRef idx="1">
+              <a:schemeClr val="accent5"/>
+            </a:lnRef>
+            <a:fillRef idx="2">
+              <a:schemeClr val="accent5"/>
+            </a:fillRef>
+            <a:effectRef idx="1">
+              <a:schemeClr val="accent5"/>
+            </a:effectRef>
+            <a:fontRef idx="minor">
+              <a:schemeClr val="dk1"/>
+            </a:fontRef>
+          </p:style>
+          <p:txBody>
+            <a:bodyPr rtlCol="0" anchor="ctr"/>
+            <a:lstStyle/>
+            <a:p>
+              <a:pPr algn="ctr"/>
+              <a:endParaRPr lang="th-TH"/>
+            </a:p>
+          </p:txBody>
+        </p:sp>
+        <p:sp>
+          <p:nvSpPr>
+            <p:cNvPr id="11" name="Cylinder 10">
+              <a:extLst>
+                <a:ext uri="{FF2B5EF4-FFF2-40B4-BE49-F238E27FC236}">
+                  <a16:creationId xmlns:a16="http://schemas.microsoft.com/office/drawing/2014/main" id="{D062129A-56A4-4F0B-A1AC-C6A0D781178F}"/>
+                </a:ext>
+              </a:extLst>
+            </p:cNvPr>
+            <p:cNvSpPr/>
+            <p:nvPr/>
+          </p:nvSpPr>
+          <p:spPr>
+            <a:xfrm>
+              <a:off x="8861684" y="2385143"/>
+              <a:ext cx="266700" cy="444500"/>
+            </a:xfrm>
+            <a:prstGeom prst="can">
+              <a:avLst/>
+            </a:prstGeom>
+          </p:spPr>
+          <p:style>
+            <a:lnRef idx="2">
+              <a:schemeClr val="accent1">
+                <a:shade val="50000"/>
+              </a:schemeClr>
+            </a:lnRef>
+            <a:fillRef idx="1">
+              <a:schemeClr val="accent1"/>
+            </a:fillRef>
+            <a:effectRef idx="0">
+              <a:schemeClr val="accent1"/>
+            </a:effectRef>
+            <a:fontRef idx="minor">
+              <a:schemeClr val="lt1"/>
+            </a:fontRef>
+          </p:style>
+          <p:txBody>
+            <a:bodyPr rtlCol="0" anchor="ctr"/>
+            <a:lstStyle/>
+            <a:p>
+              <a:pPr algn="ctr"/>
+              <a:endParaRPr lang="th-TH"/>
+            </a:p>
+          </p:txBody>
+        </p:sp>
+        <p:sp>
+          <p:nvSpPr>
+            <p:cNvPr id="18" name="TextBox 17">
+              <a:extLst>
+                <a:ext uri="{FF2B5EF4-FFF2-40B4-BE49-F238E27FC236}">
+                  <a16:creationId xmlns:a16="http://schemas.microsoft.com/office/drawing/2014/main" id="{71E740F5-EFDE-422F-908D-5DFB1AC0EF5A}"/>
+                </a:ext>
+              </a:extLst>
+            </p:cNvPr>
+            <p:cNvSpPr txBox="1"/>
+            <p:nvPr/>
+          </p:nvSpPr>
+          <p:spPr>
+            <a:xfrm>
+              <a:off x="8582002" y="2034433"/>
+              <a:ext cx="1139190" cy="307777"/>
+            </a:xfrm>
+            <a:prstGeom prst="rect">
+              <a:avLst/>
+            </a:prstGeom>
+            <a:noFill/>
+          </p:spPr>
+          <p:txBody>
+            <a:bodyPr wrap="square" rtlCol="0">
+              <a:spAutoFit/>
+            </a:bodyPr>
+            <a:lstStyle/>
+            <a:p>
+              <a:r>
+                <a:rPr lang="en-US" sz="1400" dirty="0"/>
+                <a:t>Git server</a:t>
+              </a:r>
+              <a:endParaRPr lang="th-TH" sz="1400" dirty="0"/>
+            </a:p>
+          </p:txBody>
+        </p:sp>
+        <p:sp>
+          <p:nvSpPr>
+            <p:cNvPr id="29" name="TextBox 28">
+              <a:extLst>
+                <a:ext uri="{FF2B5EF4-FFF2-40B4-BE49-F238E27FC236}">
+                  <a16:creationId xmlns:a16="http://schemas.microsoft.com/office/drawing/2014/main" id="{525FD63D-5355-4024-B1D1-FECD04A86813}"/>
+                </a:ext>
+              </a:extLst>
+            </p:cNvPr>
+            <p:cNvSpPr txBox="1"/>
+            <p:nvPr/>
+          </p:nvSpPr>
+          <p:spPr>
+            <a:xfrm>
+              <a:off x="8591880" y="2970811"/>
+              <a:ext cx="1756410" cy="307777"/>
+            </a:xfrm>
+            <a:prstGeom prst="rect">
+              <a:avLst/>
+            </a:prstGeom>
+            <a:noFill/>
+          </p:spPr>
+          <p:txBody>
+            <a:bodyPr wrap="square" rtlCol="0">
+              <a:spAutoFit/>
+            </a:bodyPr>
+            <a:lstStyle/>
+            <a:p>
+              <a:r>
+                <a:rPr lang="en-US" sz="1400" dirty="0"/>
+                <a:t>Remote Repository</a:t>
+              </a:r>
+              <a:endParaRPr lang="th-TH" sz="1400" dirty="0"/>
+            </a:p>
+          </p:txBody>
+        </p:sp>
+        <p:sp>
+          <p:nvSpPr>
+            <p:cNvPr id="30" name="Rectangle: Rounded Corners 29">
+              <a:extLst>
+                <a:ext uri="{FF2B5EF4-FFF2-40B4-BE49-F238E27FC236}">
+                  <a16:creationId xmlns:a16="http://schemas.microsoft.com/office/drawing/2014/main" id="{92592B09-004F-4019-95DA-EB2BB46A24A9}"/>
+                </a:ext>
+              </a:extLst>
+            </p:cNvPr>
+            <p:cNvSpPr/>
+            <p:nvPr/>
+          </p:nvSpPr>
+          <p:spPr>
+            <a:xfrm>
+              <a:off x="1282147" y="443948"/>
+              <a:ext cx="4589675" cy="2394340"/>
+            </a:xfrm>
+            <a:prstGeom prst="roundRect">
+              <a:avLst>
+                <a:gd name="adj" fmla="val 7119"/>
+              </a:avLst>
+            </a:prstGeom>
+            <a:solidFill>
+              <a:schemeClr val="bg1"/>
+            </a:solidFill>
+          </p:spPr>
+          <p:style>
+            <a:lnRef idx="1">
+              <a:schemeClr val="accent6"/>
+            </a:lnRef>
+            <a:fillRef idx="2">
+              <a:schemeClr val="accent6"/>
+            </a:fillRef>
+            <a:effectRef idx="1">
+              <a:schemeClr val="accent6"/>
+            </a:effectRef>
+            <a:fontRef idx="minor">
+              <a:schemeClr val="dk1"/>
+            </a:fontRef>
+          </p:style>
+          <p:txBody>
+            <a:bodyPr rtlCol="0" anchor="ctr"/>
+            <a:lstStyle/>
+            <a:p>
+              <a:pPr algn="ctr"/>
+              <a:endParaRPr lang="th-TH"/>
+            </a:p>
+          </p:txBody>
+        </p:sp>
+        <p:sp>
+          <p:nvSpPr>
+            <p:cNvPr id="31" name="TextBox 30">
+              <a:extLst>
+                <a:ext uri="{FF2B5EF4-FFF2-40B4-BE49-F238E27FC236}">
+                  <a16:creationId xmlns:a16="http://schemas.microsoft.com/office/drawing/2014/main" id="{2C1597CA-5F1B-46CD-A202-3F47361ABD18}"/>
+                </a:ext>
+              </a:extLst>
+            </p:cNvPr>
+            <p:cNvSpPr txBox="1"/>
+            <p:nvPr/>
+          </p:nvSpPr>
+          <p:spPr>
+            <a:xfrm>
+              <a:off x="4831410" y="443948"/>
+              <a:ext cx="731520" cy="307777"/>
+            </a:xfrm>
+            <a:prstGeom prst="rect">
+              <a:avLst/>
+            </a:prstGeom>
+            <a:noFill/>
+          </p:spPr>
+          <p:txBody>
+            <a:bodyPr wrap="square" rtlCol="0">
+              <a:spAutoFit/>
+            </a:bodyPr>
+            <a:lstStyle/>
+            <a:p>
+              <a:r>
+                <a:rPr lang="en-US" sz="1400" dirty="0"/>
+                <a:t>User A</a:t>
+              </a:r>
+              <a:endParaRPr lang="th-TH" sz="1400" dirty="0"/>
+            </a:p>
+          </p:txBody>
+        </p:sp>
+        <p:sp>
+          <p:nvSpPr>
+            <p:cNvPr id="34" name="Cylinder 33">
+              <a:extLst>
+                <a:ext uri="{FF2B5EF4-FFF2-40B4-BE49-F238E27FC236}">
+                  <a16:creationId xmlns:a16="http://schemas.microsoft.com/office/drawing/2014/main" id="{55642209-5471-4A4D-A087-3BDAC9867D65}"/>
+                </a:ext>
+              </a:extLst>
+            </p:cNvPr>
+            <p:cNvSpPr/>
+            <p:nvPr/>
+          </p:nvSpPr>
+          <p:spPr>
+            <a:xfrm>
+              <a:off x="5077226" y="1301084"/>
+              <a:ext cx="326954" cy="546641"/>
+            </a:xfrm>
+            <a:prstGeom prst="can">
+              <a:avLst/>
+            </a:prstGeom>
+          </p:spPr>
+          <p:style>
+            <a:lnRef idx="2">
+              <a:schemeClr val="accent1">
+                <a:shade val="50000"/>
+              </a:schemeClr>
+            </a:lnRef>
+            <a:fillRef idx="1">
+              <a:schemeClr val="accent1"/>
+            </a:fillRef>
+            <a:effectRef idx="0">
+              <a:schemeClr val="accent1"/>
+            </a:effectRef>
+            <a:fontRef idx="minor">
+              <a:schemeClr val="lt1"/>
+            </a:fontRef>
+          </p:style>
+          <p:txBody>
+            <a:bodyPr rtlCol="0" anchor="ctr"/>
+            <a:lstStyle/>
+            <a:p>
+              <a:pPr algn="ctr"/>
+              <a:endParaRPr lang="th-TH"/>
+            </a:p>
+          </p:txBody>
+        </p:sp>
+        <p:pic>
+          <p:nvPicPr>
+            <p:cNvPr id="44" name="Picture 2" descr="C:\Users\t-dantay\Documents\Placeholders\file.png">
+              <a:extLst>
+                <a:ext uri="{FF2B5EF4-FFF2-40B4-BE49-F238E27FC236}">
+                  <a16:creationId xmlns:a16="http://schemas.microsoft.com/office/drawing/2014/main" id="{C3F3B396-47D5-4758-B0B9-51D5D5C1A3B7}"/>
+                </a:ext>
+              </a:extLst>
+            </p:cNvPr>
+            <p:cNvPicPr>
+              <a:picLocks noChangeAspect="1" noChangeArrowheads="1"/>
+            </p:cNvPicPr>
+            <p:nvPr>
+              <p:custDataLst>
+                <p:custData r:id="rId1"/>
+              </p:custDataLst>
+            </p:nvPr>
+          </p:nvPicPr>
+          <p:blipFill>
+            <a:blip r:embed="rId6" cstate="print">
+              <a:extLst>
+                <a:ext uri="{28A0092B-C50C-407E-A947-70E740481C1C}">
+                  <a14:useLocalDpi xmlns:a14="http://schemas.microsoft.com/office/drawing/2010/main" val="0"/>
+                </a:ext>
+              </a:extLst>
+            </a:blip>
+            <a:srcRect/>
+            <a:stretch>
+              <a:fillRect/>
+            </a:stretch>
+          </p:blipFill>
+          <p:spPr bwMode="auto">
+            <a:xfrm>
+              <a:off x="1887305" y="1254007"/>
+              <a:ext cx="326954" cy="447006"/>
+            </a:xfrm>
+            <a:prstGeom prst="rect">
+              <a:avLst/>
+            </a:prstGeom>
+            <a:noFill/>
+            <a:extLst>
+              <a:ext uri="{909E8E84-426E-40DD-AFC4-6F175D3DCCD1}">
+                <a14:hiddenFill xmlns:a14="http://schemas.microsoft.com/office/drawing/2010/main">
+                  <a:solidFill>
+                    <a:srgbClr val="FFFFFF"/>
+                  </a:solidFill>
+                </a14:hiddenFill>
+              </a:ext>
+            </a:extLst>
+          </p:spPr>
+        </p:pic>
+        <p:sp>
+          <p:nvSpPr>
+            <p:cNvPr id="46" name="Rectangle: Rounded Corners 45">
+              <a:extLst>
+                <a:ext uri="{FF2B5EF4-FFF2-40B4-BE49-F238E27FC236}">
+                  <a16:creationId xmlns:a16="http://schemas.microsoft.com/office/drawing/2014/main" id="{C9669865-CE05-4ECE-A9EF-0B52165F9AD6}"/>
+                </a:ext>
+              </a:extLst>
+            </p:cNvPr>
+            <p:cNvSpPr/>
+            <p:nvPr/>
+          </p:nvSpPr>
+          <p:spPr>
+            <a:xfrm>
+              <a:off x="3414090" y="1063073"/>
+              <a:ext cx="909533" cy="1279137"/>
+            </a:xfrm>
+            <a:prstGeom prst="roundRect">
+              <a:avLst/>
+            </a:prstGeom>
+            <a:solidFill>
+              <a:schemeClr val="accent4">
+                <a:lumMod val="20000"/>
+                <a:lumOff val="80000"/>
+              </a:schemeClr>
+            </a:solidFill>
+          </p:spPr>
+          <p:style>
+            <a:lnRef idx="1">
+              <a:schemeClr val="accent4"/>
+            </a:lnRef>
+            <a:fillRef idx="2">
+              <a:schemeClr val="accent4"/>
+            </a:fillRef>
+            <a:effectRef idx="1">
+              <a:schemeClr val="accent4"/>
+            </a:effectRef>
+            <a:fontRef idx="minor">
+              <a:schemeClr val="dk1"/>
+            </a:fontRef>
+          </p:style>
+          <p:txBody>
+            <a:bodyPr rtlCol="0" anchor="ctr"/>
+            <a:lstStyle/>
+            <a:p>
+              <a:pPr algn="ctr"/>
+              <a:endParaRPr lang="th-TH"/>
+            </a:p>
+          </p:txBody>
+        </p:sp>
+        <p:sp>
+          <p:nvSpPr>
+            <p:cNvPr id="47" name="TextBox 46">
+              <a:extLst>
+                <a:ext uri="{FF2B5EF4-FFF2-40B4-BE49-F238E27FC236}">
+                  <a16:creationId xmlns:a16="http://schemas.microsoft.com/office/drawing/2014/main" id="{4D63F270-A374-4FCF-AE96-87BAEEEC1D23}"/>
+                </a:ext>
+              </a:extLst>
+            </p:cNvPr>
+            <p:cNvSpPr txBox="1"/>
+            <p:nvPr/>
+          </p:nvSpPr>
+          <p:spPr>
+            <a:xfrm>
+              <a:off x="1691698" y="1733890"/>
+              <a:ext cx="1204240" cy="338554"/>
+            </a:xfrm>
+            <a:prstGeom prst="rect">
+              <a:avLst/>
+            </a:prstGeom>
+            <a:noFill/>
+          </p:spPr>
+          <p:txBody>
+            <a:bodyPr wrap="none" rtlCol="0">
+              <a:spAutoFit/>
+            </a:bodyPr>
+            <a:lstStyle/>
+            <a:p>
+              <a:r>
+                <a:rPr lang="en-US" sz="1600" dirty="0"/>
+                <a:t>Source code</a:t>
+              </a:r>
+              <a:endParaRPr lang="th-TH" sz="1600" dirty="0"/>
+            </a:p>
+          </p:txBody>
+        </p:sp>
+        <p:sp>
+          <p:nvSpPr>
+            <p:cNvPr id="51" name="TextBox 50">
+              <a:extLst>
+                <a:ext uri="{FF2B5EF4-FFF2-40B4-BE49-F238E27FC236}">
+                  <a16:creationId xmlns:a16="http://schemas.microsoft.com/office/drawing/2014/main" id="{37832653-F8BB-4809-99F4-876A1403883E}"/>
+                </a:ext>
+              </a:extLst>
+            </p:cNvPr>
+            <p:cNvSpPr txBox="1"/>
+            <p:nvPr/>
+          </p:nvSpPr>
+          <p:spPr>
+            <a:xfrm>
+              <a:off x="3260202" y="696998"/>
+              <a:ext cx="1203791" cy="338554"/>
+            </a:xfrm>
+            <a:prstGeom prst="rect">
+              <a:avLst/>
+            </a:prstGeom>
+            <a:noFill/>
+          </p:spPr>
+          <p:txBody>
+            <a:bodyPr wrap="none" rtlCol="0">
+              <a:spAutoFit/>
+            </a:bodyPr>
+            <a:lstStyle/>
+            <a:p>
+              <a:r>
+                <a:rPr lang="en-US" sz="1600" dirty="0"/>
+                <a:t>Staging area</a:t>
+              </a:r>
+              <a:endParaRPr lang="th-TH" sz="1600" dirty="0"/>
+            </a:p>
+          </p:txBody>
+        </p:sp>
+        <p:pic>
+          <p:nvPicPr>
+            <p:cNvPr id="54" name="Picture 2" descr="C:\Users\t-dantay\Documents\Placeholders\file.png">
+              <a:extLst>
+                <a:ext uri="{FF2B5EF4-FFF2-40B4-BE49-F238E27FC236}">
+                  <a16:creationId xmlns:a16="http://schemas.microsoft.com/office/drawing/2014/main" id="{00FEF341-6969-4C6C-AF14-E0144BC107ED}"/>
+                </a:ext>
+              </a:extLst>
+            </p:cNvPr>
+            <p:cNvPicPr>
+              <a:picLocks noChangeAspect="1" noChangeArrowheads="1"/>
+            </p:cNvPicPr>
+            <p:nvPr>
+              <p:custDataLst>
+                <p:custData r:id="rId2"/>
+              </p:custDataLst>
+            </p:nvPr>
+          </p:nvPicPr>
+          <p:blipFill>
+            <a:blip r:embed="rId6" cstate="print">
+              <a:extLst>
+                <a:ext uri="{28A0092B-C50C-407E-A947-70E740481C1C}">
+                  <a14:useLocalDpi xmlns:a14="http://schemas.microsoft.com/office/drawing/2010/main" val="0"/>
+                </a:ext>
+              </a:extLst>
+            </a:blip>
+            <a:srcRect/>
+            <a:stretch>
+              <a:fillRect/>
+            </a:stretch>
+          </p:blipFill>
+          <p:spPr bwMode="auto">
+            <a:xfrm>
+              <a:off x="3716527" y="1254007"/>
+              <a:ext cx="326954" cy="447006"/>
+            </a:xfrm>
+            <a:prstGeom prst="rect">
+              <a:avLst/>
+            </a:prstGeom>
+            <a:noFill/>
+            <a:extLst>
+              <a:ext uri="{909E8E84-426E-40DD-AFC4-6F175D3DCCD1}">
+                <a14:hiddenFill xmlns:a14="http://schemas.microsoft.com/office/drawing/2010/main">
+                  <a:solidFill>
+                    <a:srgbClr val="FFFFFF"/>
+                  </a:solidFill>
+                </a14:hiddenFill>
+              </a:ext>
+            </a:extLst>
+          </p:spPr>
+        </p:pic>
+        <p:sp>
+          <p:nvSpPr>
+            <p:cNvPr id="66" name="TextBox 65">
+              <a:extLst>
+                <a:ext uri="{FF2B5EF4-FFF2-40B4-BE49-F238E27FC236}">
+                  <a16:creationId xmlns:a16="http://schemas.microsoft.com/office/drawing/2014/main" id="{B3C01F58-B82F-4663-AF4D-BB34CBC8AFDC}"/>
+                </a:ext>
+              </a:extLst>
+            </p:cNvPr>
+            <p:cNvSpPr txBox="1"/>
+            <p:nvPr/>
+          </p:nvSpPr>
+          <p:spPr>
+            <a:xfrm>
+              <a:off x="1282147" y="737491"/>
+              <a:ext cx="1703287" cy="338554"/>
+            </a:xfrm>
+            <a:prstGeom prst="rect">
+              <a:avLst/>
+            </a:prstGeom>
+            <a:noFill/>
+          </p:spPr>
+          <p:txBody>
+            <a:bodyPr wrap="none" rtlCol="0">
+              <a:spAutoFit/>
+            </a:bodyPr>
+            <a:lstStyle/>
+            <a:p>
+              <a:r>
+                <a:rPr lang="en-US" sz="1600" dirty="0"/>
+                <a:t>Working Directory</a:t>
+              </a:r>
+              <a:endParaRPr lang="th-TH" sz="1600" dirty="0"/>
+            </a:p>
+          </p:txBody>
+        </p:sp>
+        <p:sp>
+          <p:nvSpPr>
+            <p:cNvPr id="67" name="Rectangle: Rounded Corners 66">
+              <a:extLst>
+                <a:ext uri="{FF2B5EF4-FFF2-40B4-BE49-F238E27FC236}">
+                  <a16:creationId xmlns:a16="http://schemas.microsoft.com/office/drawing/2014/main" id="{0FBC046F-F496-422F-A3F8-20EF1B8AF148}"/>
+                </a:ext>
+              </a:extLst>
+            </p:cNvPr>
+            <p:cNvSpPr/>
+            <p:nvPr/>
+          </p:nvSpPr>
+          <p:spPr>
+            <a:xfrm>
+              <a:off x="1282147" y="3743408"/>
+              <a:ext cx="4589675" cy="2394340"/>
+            </a:xfrm>
+            <a:prstGeom prst="roundRect">
+              <a:avLst>
+                <a:gd name="adj" fmla="val 7119"/>
+              </a:avLst>
+            </a:prstGeom>
+            <a:solidFill>
+              <a:schemeClr val="accent5">
+                <a:lumMod val="20000"/>
+                <a:lumOff val="80000"/>
+              </a:schemeClr>
+            </a:solidFill>
+          </p:spPr>
+          <p:style>
+            <a:lnRef idx="1">
+              <a:schemeClr val="accent5"/>
+            </a:lnRef>
+            <a:fillRef idx="2">
+              <a:schemeClr val="accent5"/>
+            </a:fillRef>
+            <a:effectRef idx="1">
+              <a:schemeClr val="accent5"/>
+            </a:effectRef>
+            <a:fontRef idx="minor">
+              <a:schemeClr val="dk1"/>
+            </a:fontRef>
+          </p:style>
+          <p:txBody>
+            <a:bodyPr rtlCol="0" anchor="ctr"/>
+            <a:lstStyle/>
+            <a:p>
+              <a:pPr algn="ctr"/>
+              <a:endParaRPr lang="th-TH"/>
+            </a:p>
+          </p:txBody>
+        </p:sp>
+        <p:sp>
+          <p:nvSpPr>
+            <p:cNvPr id="68" name="TextBox 67">
+              <a:extLst>
+                <a:ext uri="{FF2B5EF4-FFF2-40B4-BE49-F238E27FC236}">
+                  <a16:creationId xmlns:a16="http://schemas.microsoft.com/office/drawing/2014/main" id="{9718B331-2D4E-4D9D-895B-3537FCE51FB3}"/>
+                </a:ext>
+              </a:extLst>
+            </p:cNvPr>
+            <p:cNvSpPr txBox="1"/>
+            <p:nvPr/>
+          </p:nvSpPr>
+          <p:spPr>
+            <a:xfrm>
+              <a:off x="4831410" y="3743408"/>
+              <a:ext cx="731520" cy="307777"/>
+            </a:xfrm>
+            <a:prstGeom prst="rect">
+              <a:avLst/>
+            </a:prstGeom>
+            <a:noFill/>
+          </p:spPr>
+          <p:txBody>
+            <a:bodyPr wrap="square" rtlCol="0">
+              <a:spAutoFit/>
+            </a:bodyPr>
+            <a:lstStyle/>
+            <a:p>
+              <a:r>
+                <a:rPr lang="en-US" sz="1400" dirty="0"/>
+                <a:t>User B</a:t>
+              </a:r>
+              <a:endParaRPr lang="th-TH" sz="1400" dirty="0"/>
+            </a:p>
+          </p:txBody>
+        </p:sp>
+        <p:sp>
+          <p:nvSpPr>
+            <p:cNvPr id="69" name="Cylinder 68">
+              <a:extLst>
+                <a:ext uri="{FF2B5EF4-FFF2-40B4-BE49-F238E27FC236}">
+                  <a16:creationId xmlns:a16="http://schemas.microsoft.com/office/drawing/2014/main" id="{208832FA-C597-4346-896F-194250C6E4CC}"/>
+                </a:ext>
+              </a:extLst>
+            </p:cNvPr>
+            <p:cNvSpPr/>
+            <p:nvPr/>
+          </p:nvSpPr>
+          <p:spPr>
+            <a:xfrm>
+              <a:off x="5077226" y="4507907"/>
+              <a:ext cx="326954" cy="546641"/>
+            </a:xfrm>
+            <a:prstGeom prst="can">
+              <a:avLst/>
+            </a:prstGeom>
+          </p:spPr>
+          <p:style>
+            <a:lnRef idx="2">
+              <a:schemeClr val="accent1">
+                <a:shade val="50000"/>
+              </a:schemeClr>
+            </a:lnRef>
+            <a:fillRef idx="1">
+              <a:schemeClr val="accent1"/>
+            </a:fillRef>
+            <a:effectRef idx="0">
+              <a:schemeClr val="accent1"/>
+            </a:effectRef>
+            <a:fontRef idx="minor">
+              <a:schemeClr val="lt1"/>
+            </a:fontRef>
+          </p:style>
+          <p:txBody>
+            <a:bodyPr rtlCol="0" anchor="ctr"/>
+            <a:lstStyle/>
+            <a:p>
+              <a:pPr algn="ctr"/>
+              <a:endParaRPr lang="th-TH"/>
+            </a:p>
+          </p:txBody>
+        </p:sp>
+        <p:pic>
+          <p:nvPicPr>
+            <p:cNvPr id="70" name="Picture 2" descr="C:\Users\t-dantay\Documents\Placeholders\file.png">
+              <a:extLst>
+                <a:ext uri="{FF2B5EF4-FFF2-40B4-BE49-F238E27FC236}">
+                  <a16:creationId xmlns:a16="http://schemas.microsoft.com/office/drawing/2014/main" id="{289947E4-9815-42C6-994A-1007E2AE5A6B}"/>
+                </a:ext>
+              </a:extLst>
+            </p:cNvPr>
+            <p:cNvPicPr>
+              <a:picLocks noChangeAspect="1" noChangeArrowheads="1"/>
+            </p:cNvPicPr>
+            <p:nvPr>
+              <p:custDataLst>
+                <p:custData r:id="rId3"/>
+              </p:custDataLst>
+            </p:nvPr>
+          </p:nvPicPr>
+          <p:blipFill>
+            <a:blip r:embed="rId6" cstate="print">
+              <a:extLst>
+                <a:ext uri="{28A0092B-C50C-407E-A947-70E740481C1C}">
+                  <a14:useLocalDpi xmlns:a14="http://schemas.microsoft.com/office/drawing/2010/main" val="0"/>
+                </a:ext>
+              </a:extLst>
+            </a:blip>
+            <a:srcRect/>
+            <a:stretch>
+              <a:fillRect/>
+            </a:stretch>
+          </p:blipFill>
+          <p:spPr bwMode="auto">
+            <a:xfrm>
+              <a:off x="1887305" y="4553467"/>
+              <a:ext cx="326954" cy="447006"/>
+            </a:xfrm>
+            <a:prstGeom prst="rect">
+              <a:avLst/>
+            </a:prstGeom>
+            <a:noFill/>
+            <a:extLst>
+              <a:ext uri="{909E8E84-426E-40DD-AFC4-6F175D3DCCD1}">
+                <a14:hiddenFill xmlns:a14="http://schemas.microsoft.com/office/drawing/2010/main">
+                  <a:solidFill>
+                    <a:srgbClr val="FFFFFF"/>
+                  </a:solidFill>
+                </a14:hiddenFill>
+              </a:ext>
+            </a:extLst>
+          </p:spPr>
+        </p:pic>
+        <p:sp>
+          <p:nvSpPr>
+            <p:cNvPr id="71" name="Rectangle: Rounded Corners 70">
+              <a:extLst>
+                <a:ext uri="{FF2B5EF4-FFF2-40B4-BE49-F238E27FC236}">
+                  <a16:creationId xmlns:a16="http://schemas.microsoft.com/office/drawing/2014/main" id="{06127740-16F6-49AB-8413-CD84B69184C3}"/>
+                </a:ext>
+              </a:extLst>
+            </p:cNvPr>
+            <p:cNvSpPr/>
+            <p:nvPr/>
+          </p:nvSpPr>
+          <p:spPr>
+            <a:xfrm>
+              <a:off x="3414090" y="4362533"/>
+              <a:ext cx="909533" cy="1279137"/>
+            </a:xfrm>
+            <a:prstGeom prst="roundRect">
+              <a:avLst/>
+            </a:prstGeom>
+            <a:solidFill>
+              <a:schemeClr val="accent4">
+                <a:lumMod val="20000"/>
+                <a:lumOff val="80000"/>
+              </a:schemeClr>
+            </a:solidFill>
+          </p:spPr>
+          <p:style>
+            <a:lnRef idx="1">
+              <a:schemeClr val="accent4"/>
+            </a:lnRef>
+            <a:fillRef idx="2">
+              <a:schemeClr val="accent4"/>
+            </a:fillRef>
+            <a:effectRef idx="1">
+              <a:schemeClr val="accent4"/>
+            </a:effectRef>
+            <a:fontRef idx="minor">
+              <a:schemeClr val="dk1"/>
+            </a:fontRef>
+          </p:style>
+          <p:txBody>
+            <a:bodyPr rtlCol="0" anchor="ctr"/>
+            <a:lstStyle/>
+            <a:p>
+              <a:pPr algn="ctr"/>
+              <a:endParaRPr lang="th-TH"/>
+            </a:p>
+          </p:txBody>
+        </p:sp>
+        <p:sp>
+          <p:nvSpPr>
+            <p:cNvPr id="72" name="TextBox 71">
+              <a:extLst>
+                <a:ext uri="{FF2B5EF4-FFF2-40B4-BE49-F238E27FC236}">
+                  <a16:creationId xmlns:a16="http://schemas.microsoft.com/office/drawing/2014/main" id="{62A1F116-7A0D-4FB7-BEAD-494224E97903}"/>
+                </a:ext>
+              </a:extLst>
+            </p:cNvPr>
+            <p:cNvSpPr txBox="1"/>
+            <p:nvPr/>
+          </p:nvSpPr>
+          <p:spPr>
+            <a:xfrm>
+              <a:off x="1691698" y="5033350"/>
+              <a:ext cx="1204240" cy="338554"/>
+            </a:xfrm>
+            <a:prstGeom prst="rect">
+              <a:avLst/>
+            </a:prstGeom>
+            <a:noFill/>
+          </p:spPr>
+          <p:txBody>
+            <a:bodyPr wrap="none" rtlCol="0">
+              <a:spAutoFit/>
+            </a:bodyPr>
+            <a:lstStyle/>
+            <a:p>
+              <a:r>
+                <a:rPr lang="en-US" sz="1600" dirty="0"/>
+                <a:t>Source code</a:t>
+              </a:r>
+              <a:endParaRPr lang="th-TH" sz="1600" dirty="0"/>
+            </a:p>
+          </p:txBody>
+        </p:sp>
+        <p:sp>
+          <p:nvSpPr>
+            <p:cNvPr id="73" name="TextBox 72">
+              <a:extLst>
+                <a:ext uri="{FF2B5EF4-FFF2-40B4-BE49-F238E27FC236}">
+                  <a16:creationId xmlns:a16="http://schemas.microsoft.com/office/drawing/2014/main" id="{CFE5409D-BF19-40BB-8E96-01C59DA761B5}"/>
+                </a:ext>
+              </a:extLst>
+            </p:cNvPr>
+            <p:cNvSpPr txBox="1"/>
+            <p:nvPr/>
+          </p:nvSpPr>
+          <p:spPr>
+            <a:xfrm>
+              <a:off x="3260202" y="3996458"/>
+              <a:ext cx="1203791" cy="338554"/>
+            </a:xfrm>
+            <a:prstGeom prst="rect">
+              <a:avLst/>
+            </a:prstGeom>
+            <a:noFill/>
+          </p:spPr>
+          <p:txBody>
+            <a:bodyPr wrap="none" rtlCol="0">
+              <a:spAutoFit/>
+            </a:bodyPr>
+            <a:lstStyle/>
+            <a:p>
+              <a:r>
+                <a:rPr lang="en-US" sz="1600" dirty="0"/>
+                <a:t>Staging area</a:t>
+              </a:r>
+              <a:endParaRPr lang="th-TH" sz="1600" dirty="0"/>
+            </a:p>
+          </p:txBody>
+        </p:sp>
+        <p:cxnSp>
+          <p:nvCxnSpPr>
+            <p:cNvPr id="74" name="Straight Arrow Connector 73">
+              <a:extLst>
+                <a:ext uri="{FF2B5EF4-FFF2-40B4-BE49-F238E27FC236}">
+                  <a16:creationId xmlns:a16="http://schemas.microsoft.com/office/drawing/2014/main" id="{0035E77F-5641-484D-B671-BE0DAE27B3B1}"/>
+                </a:ext>
+              </a:extLst>
+            </p:cNvPr>
+            <p:cNvCxnSpPr>
+              <a:cxnSpLocks/>
+              <a:stCxn id="75" idx="1"/>
+              <a:endCxn id="70" idx="3"/>
+            </p:cNvCxnSpPr>
+            <p:nvPr/>
+          </p:nvCxnSpPr>
+          <p:spPr>
+            <a:xfrm flipH="1">
+              <a:off x="2214259" y="4776970"/>
+              <a:ext cx="1502268" cy="0"/>
+            </a:xfrm>
+            <a:prstGeom prst="straightConnector1">
+              <a:avLst/>
+            </a:prstGeom>
+            <a:ln w="38100">
+              <a:solidFill>
+                <a:schemeClr val="accent2"/>
+              </a:solidFill>
+              <a:tailEnd type="triangle"/>
+            </a:ln>
+          </p:spPr>
+          <p:style>
+            <a:lnRef idx="1">
+              <a:schemeClr val="accent1"/>
+            </a:lnRef>
+            <a:fillRef idx="0">
+              <a:schemeClr val="accent1"/>
+            </a:fillRef>
+            <a:effectRef idx="0">
+              <a:schemeClr val="accent1"/>
+            </a:effectRef>
+            <a:fontRef idx="minor">
+              <a:schemeClr val="tx1"/>
+            </a:fontRef>
+          </p:style>
+        </p:cxnSp>
+        <p:pic>
+          <p:nvPicPr>
+            <p:cNvPr id="75" name="Picture 2" descr="C:\Users\t-dantay\Documents\Placeholders\file.png">
+              <a:extLst>
+                <a:ext uri="{FF2B5EF4-FFF2-40B4-BE49-F238E27FC236}">
+                  <a16:creationId xmlns:a16="http://schemas.microsoft.com/office/drawing/2014/main" id="{60813462-C2D5-4EC9-B63E-46617100625C}"/>
+                </a:ext>
+              </a:extLst>
+            </p:cNvPr>
+            <p:cNvPicPr>
+              <a:picLocks noChangeAspect="1" noChangeArrowheads="1"/>
+            </p:cNvPicPr>
+            <p:nvPr>
+              <p:custDataLst>
+                <p:custData r:id="rId4"/>
+              </p:custDataLst>
+            </p:nvPr>
+          </p:nvPicPr>
+          <p:blipFill>
+            <a:blip r:embed="rId6" cstate="print">
+              <a:extLst>
+                <a:ext uri="{28A0092B-C50C-407E-A947-70E740481C1C}">
+                  <a14:useLocalDpi xmlns:a14="http://schemas.microsoft.com/office/drawing/2010/main" val="0"/>
+                </a:ext>
+              </a:extLst>
+            </a:blip>
+            <a:srcRect/>
+            <a:stretch>
+              <a:fillRect/>
+            </a:stretch>
+          </p:blipFill>
+          <p:spPr bwMode="auto">
+            <a:xfrm>
+              <a:off x="3716527" y="4553467"/>
+              <a:ext cx="326954" cy="447006"/>
+            </a:xfrm>
+            <a:prstGeom prst="rect">
+              <a:avLst/>
+            </a:prstGeom>
+            <a:noFill/>
+            <a:extLst>
+              <a:ext uri="{909E8E84-426E-40DD-AFC4-6F175D3DCCD1}">
+                <a14:hiddenFill xmlns:a14="http://schemas.microsoft.com/office/drawing/2010/main">
+                  <a:solidFill>
+                    <a:srgbClr val="FFFFFF"/>
+                  </a:solidFill>
+                </a14:hiddenFill>
+              </a:ext>
+            </a:extLst>
+          </p:spPr>
+        </p:pic>
+        <p:cxnSp>
+          <p:nvCxnSpPr>
+            <p:cNvPr id="76" name="Straight Arrow Connector 75">
+              <a:extLst>
+                <a:ext uri="{FF2B5EF4-FFF2-40B4-BE49-F238E27FC236}">
+                  <a16:creationId xmlns:a16="http://schemas.microsoft.com/office/drawing/2014/main" id="{E8E81044-8908-4802-9E99-9A42937D62D6}"/>
+                </a:ext>
+              </a:extLst>
+            </p:cNvPr>
+            <p:cNvCxnSpPr>
+              <a:cxnSpLocks/>
+            </p:cNvCxnSpPr>
+            <p:nvPr/>
+          </p:nvCxnSpPr>
+          <p:spPr>
+            <a:xfrm flipH="1">
+              <a:off x="4043482" y="4776971"/>
+              <a:ext cx="1009737" cy="0"/>
+            </a:xfrm>
+            <a:prstGeom prst="straightConnector1">
+              <a:avLst/>
+            </a:prstGeom>
+            <a:ln w="38100">
+              <a:solidFill>
+                <a:schemeClr val="accent2"/>
+              </a:solidFill>
+              <a:tailEnd type="triangle"/>
+            </a:ln>
+          </p:spPr>
+          <p:style>
+            <a:lnRef idx="1">
+              <a:schemeClr val="accent1"/>
+            </a:lnRef>
+            <a:fillRef idx="0">
+              <a:schemeClr val="accent1"/>
+            </a:fillRef>
+            <a:effectRef idx="0">
+              <a:schemeClr val="accent1"/>
+            </a:effectRef>
+            <a:fontRef idx="minor">
+              <a:schemeClr val="tx1"/>
+            </a:fontRef>
+          </p:style>
+        </p:cxnSp>
+        <p:sp>
+          <p:nvSpPr>
+            <p:cNvPr id="79" name="TextBox 78">
+              <a:extLst>
+                <a:ext uri="{FF2B5EF4-FFF2-40B4-BE49-F238E27FC236}">
+                  <a16:creationId xmlns:a16="http://schemas.microsoft.com/office/drawing/2014/main" id="{FB6DEB9D-053D-47C0-9D0D-264F1525EDC4}"/>
+                </a:ext>
+              </a:extLst>
+            </p:cNvPr>
+            <p:cNvSpPr txBox="1"/>
+            <p:nvPr/>
+          </p:nvSpPr>
+          <p:spPr>
+            <a:xfrm>
+              <a:off x="1282147" y="4036951"/>
+              <a:ext cx="1703287" cy="338554"/>
+            </a:xfrm>
+            <a:prstGeom prst="rect">
+              <a:avLst/>
+            </a:prstGeom>
+            <a:noFill/>
+          </p:spPr>
+          <p:txBody>
+            <a:bodyPr wrap="none" rtlCol="0">
+              <a:spAutoFit/>
+            </a:bodyPr>
+            <a:lstStyle/>
+            <a:p>
+              <a:r>
+                <a:rPr lang="en-US" sz="1600" dirty="0"/>
+                <a:t>Working Directory</a:t>
+              </a:r>
+              <a:endParaRPr lang="th-TH" sz="1600" dirty="0"/>
+            </a:p>
+          </p:txBody>
+        </p:sp>
+        <p:cxnSp>
+          <p:nvCxnSpPr>
+            <p:cNvPr id="22" name="Straight Arrow Connector 21">
+              <a:extLst>
+                <a:ext uri="{FF2B5EF4-FFF2-40B4-BE49-F238E27FC236}">
+                  <a16:creationId xmlns:a16="http://schemas.microsoft.com/office/drawing/2014/main" id="{B2F753E6-E0A2-4545-9A45-8C014ACB81D8}"/>
+                </a:ext>
+              </a:extLst>
+            </p:cNvPr>
+            <p:cNvCxnSpPr>
+              <a:cxnSpLocks/>
+            </p:cNvCxnSpPr>
+            <p:nvPr/>
+          </p:nvCxnSpPr>
+          <p:spPr>
+            <a:xfrm flipH="1">
+              <a:off x="5428187" y="2923046"/>
+              <a:ext cx="3224935" cy="1853924"/>
+            </a:xfrm>
+            <a:prstGeom prst="straightConnector1">
+              <a:avLst/>
+            </a:prstGeom>
+            <a:ln w="28575">
+              <a:solidFill>
+                <a:schemeClr val="accent2"/>
+              </a:solidFill>
+              <a:tailEnd type="triangle"/>
+            </a:ln>
+          </p:spPr>
+          <p:style>
+            <a:lnRef idx="1">
+              <a:schemeClr val="accent1"/>
+            </a:lnRef>
+            <a:fillRef idx="0">
+              <a:schemeClr val="accent1"/>
+            </a:fillRef>
+            <a:effectRef idx="0">
+              <a:schemeClr val="accent1"/>
+            </a:effectRef>
+            <a:fontRef idx="minor">
+              <a:schemeClr val="tx1"/>
+            </a:fontRef>
+          </p:style>
+        </p:cxnSp>
+        <p:sp>
+          <p:nvSpPr>
+            <p:cNvPr id="81" name="TextBox 80">
+              <a:extLst>
+                <a:ext uri="{FF2B5EF4-FFF2-40B4-BE49-F238E27FC236}">
+                  <a16:creationId xmlns:a16="http://schemas.microsoft.com/office/drawing/2014/main" id="{5449AF6B-8B42-47A8-8676-02937C6D9025}"/>
+                </a:ext>
+              </a:extLst>
+            </p:cNvPr>
+            <p:cNvSpPr txBox="1"/>
+            <p:nvPr/>
+          </p:nvSpPr>
+          <p:spPr>
+            <a:xfrm>
+              <a:off x="4792293" y="1908272"/>
+              <a:ext cx="1004919" cy="738664"/>
+            </a:xfrm>
+            <a:prstGeom prst="rect">
+              <a:avLst/>
+            </a:prstGeom>
+            <a:noFill/>
+          </p:spPr>
+          <p:txBody>
+            <a:bodyPr wrap="square" rtlCol="0">
+              <a:spAutoFit/>
+            </a:bodyPr>
+            <a:lstStyle/>
+            <a:p>
+              <a:pPr algn="ctr"/>
+              <a:r>
+                <a:rPr lang="en-US" sz="1400" dirty="0"/>
+                <a:t>Local</a:t>
+              </a:r>
+            </a:p>
+            <a:p>
+              <a:pPr algn="ctr"/>
+              <a:r>
+                <a:rPr lang="en-US" sz="1400" dirty="0"/>
+                <a:t>Repository</a:t>
+              </a:r>
+            </a:p>
+            <a:p>
+              <a:pPr algn="ctr"/>
+              <a:r>
+                <a:rPr lang="en-US" sz="1400" dirty="0"/>
+                <a:t>A</a:t>
+              </a:r>
+              <a:endParaRPr lang="th-TH" sz="1400" dirty="0"/>
+            </a:p>
+          </p:txBody>
+        </p:sp>
+        <p:sp>
+          <p:nvSpPr>
+            <p:cNvPr id="82" name="TextBox 81">
+              <a:extLst>
+                <a:ext uri="{FF2B5EF4-FFF2-40B4-BE49-F238E27FC236}">
+                  <a16:creationId xmlns:a16="http://schemas.microsoft.com/office/drawing/2014/main" id="{CAA419B4-D008-4698-9A43-1BA531DBDF0A}"/>
+                </a:ext>
+              </a:extLst>
+            </p:cNvPr>
+            <p:cNvSpPr txBox="1"/>
+            <p:nvPr/>
+          </p:nvSpPr>
+          <p:spPr>
+            <a:xfrm>
+              <a:off x="4792293" y="5191408"/>
+              <a:ext cx="1004919" cy="738664"/>
+            </a:xfrm>
+            <a:prstGeom prst="rect">
+              <a:avLst/>
+            </a:prstGeom>
+            <a:noFill/>
+          </p:spPr>
+          <p:txBody>
+            <a:bodyPr wrap="square" rtlCol="0">
+              <a:spAutoFit/>
+            </a:bodyPr>
+            <a:lstStyle/>
+            <a:p>
+              <a:pPr algn="ctr"/>
+              <a:r>
+                <a:rPr lang="en-US" sz="1400" dirty="0"/>
+                <a:t>Local</a:t>
+              </a:r>
+            </a:p>
+            <a:p>
+              <a:pPr algn="ctr"/>
+              <a:r>
+                <a:rPr lang="en-US" sz="1400" dirty="0"/>
+                <a:t>Repository</a:t>
+              </a:r>
+            </a:p>
+            <a:p>
+              <a:pPr algn="ctr"/>
+              <a:r>
+                <a:rPr lang="en-US" sz="1400" dirty="0"/>
+                <a:t>B</a:t>
+              </a:r>
+              <a:endParaRPr lang="th-TH" sz="1400" dirty="0"/>
+            </a:p>
+          </p:txBody>
+        </p:sp>
+        <p:sp>
+          <p:nvSpPr>
+            <p:cNvPr id="85" name="TextBox 84">
+              <a:extLst>
+                <a:ext uri="{FF2B5EF4-FFF2-40B4-BE49-F238E27FC236}">
+                  <a16:creationId xmlns:a16="http://schemas.microsoft.com/office/drawing/2014/main" id="{818192F6-0E27-4ECB-BE50-52F134E9CCCC}"/>
+                </a:ext>
+              </a:extLst>
+            </p:cNvPr>
+            <p:cNvSpPr txBox="1"/>
+            <p:nvPr/>
+          </p:nvSpPr>
+          <p:spPr>
+            <a:xfrm rot="19615381">
+              <a:off x="6741833" y="3847564"/>
+              <a:ext cx="1113396" cy="307777"/>
+            </a:xfrm>
+            <a:prstGeom prst="rect">
+              <a:avLst/>
+            </a:prstGeom>
+            <a:noFill/>
+          </p:spPr>
+          <p:txBody>
+            <a:bodyPr wrap="square" rtlCol="0">
+              <a:spAutoFit/>
+            </a:bodyPr>
+            <a:lstStyle/>
+            <a:p>
+              <a:r>
+                <a:rPr lang="en-US" sz="1400" dirty="0">
+                  <a:solidFill>
+                    <a:srgbClr val="C00000"/>
+                  </a:solidFill>
+                </a:rPr>
+                <a:t>fetch,  pull</a:t>
+              </a:r>
+              <a:endParaRPr lang="th-TH" sz="1400" dirty="0">
+                <a:solidFill>
+                  <a:srgbClr val="C00000"/>
+                </a:solidFill>
+              </a:endParaRPr>
+            </a:p>
+          </p:txBody>
+        </p:sp>
+      </p:grpSp>
+    </p:spTree>
+    <p:extLst>
+      <p:ext uri="{BB962C8B-B14F-4D97-AF65-F5344CB8AC3E}">
+        <p14:creationId xmlns:p14="http://schemas.microsoft.com/office/powerpoint/2010/main" val="2608217110"/>
       </p:ext>
     </p:extLst>
   </p:cSld>
@@ -5439,6 +8308,48 @@
 </Control>
 </file>
 
+<file path=customXml/item10.xml><?xml version="1.0" encoding="utf-8"?>
+<Control xmlns="http://schemas.microsoft.com/VisualStudio/2011/storyboarding/control">
+  <Id Name="System.Storyboarding.Icons.File" Revision="1" Stencil="System.Storyboarding.Icons" StencilVersion="0.1"/>
+</Control>
+</file>
+
+<file path=customXml/item11.xml><?xml version="1.0" encoding="utf-8"?>
+<Control xmlns="http://schemas.microsoft.com/VisualStudio/2011/storyboarding/control">
+  <Id Name="System.Storyboarding.Icons.File" Revision="1" Stencil="System.Storyboarding.Icons" StencilVersion="0.1"/>
+</Control>
+</file>
+
+<file path=customXml/item12.xml><?xml version="1.0" encoding="utf-8"?>
+<Control xmlns="http://schemas.microsoft.com/VisualStudio/2011/storyboarding/control">
+  <Id Name="System.Storyboarding.Icons.File" Revision="1" Stencil="System.Storyboarding.Icons" StencilVersion="0.1"/>
+</Control>
+</file>
+
+<file path=customXml/item13.xml><?xml version="1.0" encoding="utf-8"?>
+<Control xmlns="http://schemas.microsoft.com/VisualStudio/2011/storyboarding/control">
+  <Id Name="System.Storyboarding.Icons.File" Revision="1" Stencil="System.Storyboarding.Icons" StencilVersion="0.1"/>
+</Control>
+</file>
+
+<file path=customXml/item14.xml><?xml version="1.0" encoding="utf-8"?>
+<Control xmlns="http://schemas.microsoft.com/VisualStudio/2011/storyboarding/control">
+  <Id Name="System.Storyboarding.Icons.File" Revision="1" Stencil="System.Storyboarding.Icons" StencilVersion="0.1"/>
+</Control>
+</file>
+
+<file path=customXml/item15.xml><?xml version="1.0" encoding="utf-8"?>
+<Control xmlns="http://schemas.microsoft.com/VisualStudio/2011/storyboarding/control">
+  <Id Name="System.Storyboarding.Icons.File" Revision="1" Stencil="System.Storyboarding.Icons" StencilVersion="0.1"/>
+</Control>
+</file>
+
+<file path=customXml/item16.xml><?xml version="1.0" encoding="utf-8"?>
+<Control xmlns="http://schemas.microsoft.com/VisualStudio/2011/storyboarding/control">
+  <Id Name="System.Storyboarding.Icons.File" Revision="1" Stencil="System.Storyboarding.Icons" StencilVersion="0.1"/>
+</Control>
+</file>
+
 <file path=customXml/item2.xml><?xml version="1.0" encoding="utf-8"?>
 <Control xmlns="http://schemas.microsoft.com/VisualStudio/2011/storyboarding/control">
   <Id Name="System.Storyboarding.Icons.File" Revision="1" Stencil="System.Storyboarding.Icons" StencilVersion="0.1"/>
@@ -5481,8 +8392,70 @@
 </Control>
 </file>
 
+<file path=customXml/item9.xml><?xml version="1.0" encoding="utf-8"?>
+<Control xmlns="http://schemas.microsoft.com/VisualStudio/2011/storyboarding/control">
+  <Id Name="System.Storyboarding.Icons.File" Revision="1" Stencil="System.Storyboarding.Icons" StencilVersion="0.1"/>
+</Control>
+</file>
+
 <file path=customXml/itemProps1.xml><?xml version="1.0" encoding="utf-8"?>
 <ds:datastoreItem xmlns:ds="http://schemas.openxmlformats.org/officeDocument/2006/customXml" ds:itemID="{814AA857-348C-4BFA-BDF9-66B5DEECAD35}">
+  <ds:schemaRefs>
+    <ds:schemaRef ds:uri="http://schemas.microsoft.com/VisualStudio/2011/storyboarding/control"/>
+  </ds:schemaRefs>
+</ds:datastoreItem>
+</file>
+
+<file path=customXml/itemProps10.xml><?xml version="1.0" encoding="utf-8"?>
+<ds:datastoreItem xmlns:ds="http://schemas.openxmlformats.org/officeDocument/2006/customXml" ds:itemID="{77FD356F-9C01-46BE-AB18-F9D9F89DE168}">
+  <ds:schemaRefs>
+    <ds:schemaRef ds:uri="http://schemas.microsoft.com/VisualStudio/2011/storyboarding/control"/>
+  </ds:schemaRefs>
+</ds:datastoreItem>
+</file>
+
+<file path=customXml/itemProps11.xml><?xml version="1.0" encoding="utf-8"?>
+<ds:datastoreItem xmlns:ds="http://schemas.openxmlformats.org/officeDocument/2006/customXml" ds:itemID="{D5212FEF-17B9-4D83-94DF-46D4BBBD4241}">
+  <ds:schemaRefs>
+    <ds:schemaRef ds:uri="http://schemas.microsoft.com/VisualStudio/2011/storyboarding/control"/>
+  </ds:schemaRefs>
+</ds:datastoreItem>
+</file>
+
+<file path=customXml/itemProps12.xml><?xml version="1.0" encoding="utf-8"?>
+<ds:datastoreItem xmlns:ds="http://schemas.openxmlformats.org/officeDocument/2006/customXml" ds:itemID="{7DCE67A3-BBBD-4DDB-9D15-55F2C1983463}">
+  <ds:schemaRefs>
+    <ds:schemaRef ds:uri="http://schemas.microsoft.com/VisualStudio/2011/storyboarding/control"/>
+  </ds:schemaRefs>
+</ds:datastoreItem>
+</file>
+
+<file path=customXml/itemProps13.xml><?xml version="1.0" encoding="utf-8"?>
+<ds:datastoreItem xmlns:ds="http://schemas.openxmlformats.org/officeDocument/2006/customXml" ds:itemID="{A7DC7DC7-8EA0-4D9A-97E3-596483AAB63D}">
+  <ds:schemaRefs>
+    <ds:schemaRef ds:uri="http://schemas.microsoft.com/VisualStudio/2011/storyboarding/control"/>
+  </ds:schemaRefs>
+</ds:datastoreItem>
+</file>
+
+<file path=customXml/itemProps14.xml><?xml version="1.0" encoding="utf-8"?>
+<ds:datastoreItem xmlns:ds="http://schemas.openxmlformats.org/officeDocument/2006/customXml" ds:itemID="{CDF62E19-1D3E-4B82-968A-B60093114787}">
+  <ds:schemaRefs>
+    <ds:schemaRef ds:uri="http://schemas.microsoft.com/VisualStudio/2011/storyboarding/control"/>
+  </ds:schemaRefs>
+</ds:datastoreItem>
+</file>
+
+<file path=customXml/itemProps15.xml><?xml version="1.0" encoding="utf-8"?>
+<ds:datastoreItem xmlns:ds="http://schemas.openxmlformats.org/officeDocument/2006/customXml" ds:itemID="{FA5A871B-7BD9-430E-85F0-C1455DEA1BDC}">
+  <ds:schemaRefs>
+    <ds:schemaRef ds:uri="http://schemas.microsoft.com/VisualStudio/2011/storyboarding/control"/>
+  </ds:schemaRefs>
+</ds:datastoreItem>
+</file>
+
+<file path=customXml/itemProps16.xml><?xml version="1.0" encoding="utf-8"?>
+<ds:datastoreItem xmlns:ds="http://schemas.openxmlformats.org/officeDocument/2006/customXml" ds:itemID="{627B6775-F42F-40CD-A0D9-FF72D1174BFB}">
   <ds:schemaRefs>
     <ds:schemaRef ds:uri="http://schemas.microsoft.com/VisualStudio/2011/storyboarding/control"/>
   </ds:schemaRefs>
@@ -5543,4 +8516,12 @@
     <ds:schemaRef ds:uri="http://schemas.microsoft.com/VisualStudio/2011/storyboarding/control"/>
   </ds:schemaRefs>
 </ds:datastoreItem>
+</file>
+
+<file path=customXml/itemProps9.xml><?xml version="1.0" encoding="utf-8"?>
+<ds:datastoreItem xmlns:ds="http://schemas.openxmlformats.org/officeDocument/2006/customXml" ds:itemID="{0688ACD0-5DB5-4459-9634-ECC2C8081231}">
+  <ds:schemaRefs>
+    <ds:schemaRef ds:uri="http://schemas.microsoft.com/VisualStudio/2011/storyboarding/control"/>
+  </ds:schemaRefs>
+</ds:datastoreItem>
 </file>